--- a/Manuscript_TIFS/figures/Figure_backdoor.pptx
+++ b/Manuscript_TIFS/figures/Figure_backdoor.pptx
@@ -259,7 +259,7 @@
           <a:p>
             <a:fld id="{B6BE89FA-A3DD-450C-8B51-349954979103}" type="datetimeFigureOut">
               <a:rPr lang="zh-CN" altLang="en-US" smtClean="0"/>
-              <a:t>2022-01-21</a:t>
+              <a:t>2022-02-19</a:t>
             </a:fld>
             <a:endParaRPr lang="zh-CN" altLang="en-US"/>
           </a:p>
@@ -457,7 +457,7 @@
           <a:p>
             <a:fld id="{B6BE89FA-A3DD-450C-8B51-349954979103}" type="datetimeFigureOut">
               <a:rPr lang="zh-CN" altLang="en-US" smtClean="0"/>
-              <a:t>2022-01-21</a:t>
+              <a:t>2022-02-19</a:t>
             </a:fld>
             <a:endParaRPr lang="zh-CN" altLang="en-US"/>
           </a:p>
@@ -665,7 +665,7 @@
           <a:p>
             <a:fld id="{B6BE89FA-A3DD-450C-8B51-349954979103}" type="datetimeFigureOut">
               <a:rPr lang="zh-CN" altLang="en-US" smtClean="0"/>
-              <a:t>2022-01-21</a:t>
+              <a:t>2022-02-19</a:t>
             </a:fld>
             <a:endParaRPr lang="zh-CN" altLang="en-US"/>
           </a:p>
@@ -863,7 +863,7 @@
           <a:p>
             <a:fld id="{B6BE89FA-A3DD-450C-8B51-349954979103}" type="datetimeFigureOut">
               <a:rPr lang="zh-CN" altLang="en-US" smtClean="0"/>
-              <a:t>2022-01-21</a:t>
+              <a:t>2022-02-19</a:t>
             </a:fld>
             <a:endParaRPr lang="zh-CN" altLang="en-US"/>
           </a:p>
@@ -1138,7 +1138,7 @@
           <a:p>
             <a:fld id="{B6BE89FA-A3DD-450C-8B51-349954979103}" type="datetimeFigureOut">
               <a:rPr lang="zh-CN" altLang="en-US" smtClean="0"/>
-              <a:t>2022-01-21</a:t>
+              <a:t>2022-02-19</a:t>
             </a:fld>
             <a:endParaRPr lang="zh-CN" altLang="en-US"/>
           </a:p>
@@ -1403,7 +1403,7 @@
           <a:p>
             <a:fld id="{B6BE89FA-A3DD-450C-8B51-349954979103}" type="datetimeFigureOut">
               <a:rPr lang="zh-CN" altLang="en-US" smtClean="0"/>
-              <a:t>2022-01-21</a:t>
+              <a:t>2022-02-19</a:t>
             </a:fld>
             <a:endParaRPr lang="zh-CN" altLang="en-US"/>
           </a:p>
@@ -1815,7 +1815,7 @@
           <a:p>
             <a:fld id="{B6BE89FA-A3DD-450C-8B51-349954979103}" type="datetimeFigureOut">
               <a:rPr lang="zh-CN" altLang="en-US" smtClean="0"/>
-              <a:t>2022-01-21</a:t>
+              <a:t>2022-02-19</a:t>
             </a:fld>
             <a:endParaRPr lang="zh-CN" altLang="en-US"/>
           </a:p>
@@ -1956,7 +1956,7 @@
           <a:p>
             <a:fld id="{B6BE89FA-A3DD-450C-8B51-349954979103}" type="datetimeFigureOut">
               <a:rPr lang="zh-CN" altLang="en-US" smtClean="0"/>
-              <a:t>2022-01-21</a:t>
+              <a:t>2022-02-19</a:t>
             </a:fld>
             <a:endParaRPr lang="zh-CN" altLang="en-US"/>
           </a:p>
@@ -2069,7 +2069,7 @@
           <a:p>
             <a:fld id="{B6BE89FA-A3DD-450C-8B51-349954979103}" type="datetimeFigureOut">
               <a:rPr lang="zh-CN" altLang="en-US" smtClean="0"/>
-              <a:t>2022-01-21</a:t>
+              <a:t>2022-02-19</a:t>
             </a:fld>
             <a:endParaRPr lang="zh-CN" altLang="en-US"/>
           </a:p>
@@ -2380,7 +2380,7 @@
           <a:p>
             <a:fld id="{B6BE89FA-A3DD-450C-8B51-349954979103}" type="datetimeFigureOut">
               <a:rPr lang="zh-CN" altLang="en-US" smtClean="0"/>
-              <a:t>2022-01-21</a:t>
+              <a:t>2022-02-19</a:t>
             </a:fld>
             <a:endParaRPr lang="zh-CN" altLang="en-US"/>
           </a:p>
@@ -2668,7 +2668,7 @@
           <a:p>
             <a:fld id="{B6BE89FA-A3DD-450C-8B51-349954979103}" type="datetimeFigureOut">
               <a:rPr lang="zh-CN" altLang="en-US" smtClean="0"/>
-              <a:t>2022-01-21</a:t>
+              <a:t>2022-02-19</a:t>
             </a:fld>
             <a:endParaRPr lang="zh-CN" altLang="en-US"/>
           </a:p>
@@ -2909,7 +2909,7 @@
           <a:p>
             <a:fld id="{B6BE89FA-A3DD-450C-8B51-349954979103}" type="datetimeFigureOut">
               <a:rPr lang="zh-CN" altLang="en-US" smtClean="0"/>
-              <a:t>2022-01-21</a:t>
+              <a:t>2022-02-19</a:t>
             </a:fld>
             <a:endParaRPr lang="zh-CN" altLang="en-US"/>
           </a:p>
@@ -3341,9 +3341,9 @@
         <p:grpSpPr>
           <a:xfrm>
             <a:off x="5913161" y="3192823"/>
-            <a:ext cx="638600" cy="529549"/>
+            <a:ext cx="638600" cy="652659"/>
             <a:chOff x="5961904" y="3169757"/>
-            <a:chExt cx="638600" cy="529549"/>
+            <a:chExt cx="638600" cy="652659"/>
           </a:xfrm>
         </p:grpSpPr>
         <p:pic>
@@ -3400,7 +3400,7 @@
           <p:spPr>
             <a:xfrm>
               <a:off x="5961904" y="3483862"/>
-              <a:ext cx="638600" cy="215444"/>
+              <a:ext cx="638600" cy="338554"/>
             </a:xfrm>
             <a:prstGeom prst="rect">
               <a:avLst/>
@@ -3415,8 +3415,12 @@
             <a:p>
               <a:pPr algn="ctr"/>
               <a:r>
-                <a:rPr lang="en-US" altLang="zh-CN" sz="800" b="1" i="1" dirty="0"/>
-                <a:t>FL Client</a:t>
+                <a:rPr lang="en-US" altLang="zh-CN" sz="800" b="1" i="1" dirty="0">
+                  <a:solidFill>
+                    <a:srgbClr val="FF0000"/>
+                  </a:solidFill>
+                </a:rPr>
+                <a:t>Byzantine Client</a:t>
               </a:r>
             </a:p>
           </p:txBody>
@@ -16087,9 +16091,9 @@
         <p:grpSpPr>
           <a:xfrm>
             <a:off x="5907543" y="2437102"/>
-            <a:ext cx="638600" cy="517856"/>
+            <a:ext cx="638600" cy="640966"/>
             <a:chOff x="5957582" y="2483877"/>
-            <a:chExt cx="638600" cy="517856"/>
+            <a:chExt cx="638600" cy="640966"/>
           </a:xfrm>
         </p:grpSpPr>
         <p:pic>
@@ -16146,7 +16150,7 @@
           <p:spPr>
             <a:xfrm>
               <a:off x="5957582" y="2786289"/>
-              <a:ext cx="638600" cy="215444"/>
+              <a:ext cx="638600" cy="338554"/>
             </a:xfrm>
             <a:prstGeom prst="rect">
               <a:avLst/>
@@ -16161,8 +16165,12 @@
             <a:p>
               <a:pPr algn="ctr"/>
               <a:r>
-                <a:rPr lang="en-US" altLang="zh-CN" sz="800" b="1" i="1" dirty="0"/>
-                <a:t>FL Server</a:t>
+                <a:rPr lang="en-US" altLang="zh-CN" sz="800" b="1" i="1" dirty="0">
+                  <a:solidFill>
+                    <a:schemeClr val="accent5"/>
+                  </a:solidFill>
+                </a:rPr>
+                <a:t>Central Server</a:t>
               </a:r>
             </a:p>
           </p:txBody>

--- a/Manuscript_TIFS/figures/Figure_backdoor.pptx
+++ b/Manuscript_TIFS/figures/Figure_backdoor.pptx
@@ -259,7 +259,7 @@
           <a:p>
             <a:fld id="{B6BE89FA-A3DD-450C-8B51-349954979103}" type="datetimeFigureOut">
               <a:rPr lang="zh-CN" altLang="en-US" smtClean="0"/>
-              <a:t>2022-02-19</a:t>
+              <a:t>2022-02-24</a:t>
             </a:fld>
             <a:endParaRPr lang="zh-CN" altLang="en-US"/>
           </a:p>
@@ -457,7 +457,7 @@
           <a:p>
             <a:fld id="{B6BE89FA-A3DD-450C-8B51-349954979103}" type="datetimeFigureOut">
               <a:rPr lang="zh-CN" altLang="en-US" smtClean="0"/>
-              <a:t>2022-02-19</a:t>
+              <a:t>2022-02-24</a:t>
             </a:fld>
             <a:endParaRPr lang="zh-CN" altLang="en-US"/>
           </a:p>
@@ -665,7 +665,7 @@
           <a:p>
             <a:fld id="{B6BE89FA-A3DD-450C-8B51-349954979103}" type="datetimeFigureOut">
               <a:rPr lang="zh-CN" altLang="en-US" smtClean="0"/>
-              <a:t>2022-02-19</a:t>
+              <a:t>2022-02-24</a:t>
             </a:fld>
             <a:endParaRPr lang="zh-CN" altLang="en-US"/>
           </a:p>
@@ -863,7 +863,7 @@
           <a:p>
             <a:fld id="{B6BE89FA-A3DD-450C-8B51-349954979103}" type="datetimeFigureOut">
               <a:rPr lang="zh-CN" altLang="en-US" smtClean="0"/>
-              <a:t>2022-02-19</a:t>
+              <a:t>2022-02-24</a:t>
             </a:fld>
             <a:endParaRPr lang="zh-CN" altLang="en-US"/>
           </a:p>
@@ -1138,7 +1138,7 @@
           <a:p>
             <a:fld id="{B6BE89FA-A3DD-450C-8B51-349954979103}" type="datetimeFigureOut">
               <a:rPr lang="zh-CN" altLang="en-US" smtClean="0"/>
-              <a:t>2022-02-19</a:t>
+              <a:t>2022-02-24</a:t>
             </a:fld>
             <a:endParaRPr lang="zh-CN" altLang="en-US"/>
           </a:p>
@@ -1403,7 +1403,7 @@
           <a:p>
             <a:fld id="{B6BE89FA-A3DD-450C-8B51-349954979103}" type="datetimeFigureOut">
               <a:rPr lang="zh-CN" altLang="en-US" smtClean="0"/>
-              <a:t>2022-02-19</a:t>
+              <a:t>2022-02-24</a:t>
             </a:fld>
             <a:endParaRPr lang="zh-CN" altLang="en-US"/>
           </a:p>
@@ -1815,7 +1815,7 @@
           <a:p>
             <a:fld id="{B6BE89FA-A3DD-450C-8B51-349954979103}" type="datetimeFigureOut">
               <a:rPr lang="zh-CN" altLang="en-US" smtClean="0"/>
-              <a:t>2022-02-19</a:t>
+              <a:t>2022-02-24</a:t>
             </a:fld>
             <a:endParaRPr lang="zh-CN" altLang="en-US"/>
           </a:p>
@@ -1956,7 +1956,7 @@
           <a:p>
             <a:fld id="{B6BE89FA-A3DD-450C-8B51-349954979103}" type="datetimeFigureOut">
               <a:rPr lang="zh-CN" altLang="en-US" smtClean="0"/>
-              <a:t>2022-02-19</a:t>
+              <a:t>2022-02-24</a:t>
             </a:fld>
             <a:endParaRPr lang="zh-CN" altLang="en-US"/>
           </a:p>
@@ -2069,7 +2069,7 @@
           <a:p>
             <a:fld id="{B6BE89FA-A3DD-450C-8B51-349954979103}" type="datetimeFigureOut">
               <a:rPr lang="zh-CN" altLang="en-US" smtClean="0"/>
-              <a:t>2022-02-19</a:t>
+              <a:t>2022-02-24</a:t>
             </a:fld>
             <a:endParaRPr lang="zh-CN" altLang="en-US"/>
           </a:p>
@@ -2380,7 +2380,7 @@
           <a:p>
             <a:fld id="{B6BE89FA-A3DD-450C-8B51-349954979103}" type="datetimeFigureOut">
               <a:rPr lang="zh-CN" altLang="en-US" smtClean="0"/>
-              <a:t>2022-02-19</a:t>
+              <a:t>2022-02-24</a:t>
             </a:fld>
             <a:endParaRPr lang="zh-CN" altLang="en-US"/>
           </a:p>
@@ -2668,7 +2668,7 @@
           <a:p>
             <a:fld id="{B6BE89FA-A3DD-450C-8B51-349954979103}" type="datetimeFigureOut">
               <a:rPr lang="zh-CN" altLang="en-US" smtClean="0"/>
-              <a:t>2022-02-19</a:t>
+              <a:t>2022-02-24</a:t>
             </a:fld>
             <a:endParaRPr lang="zh-CN" altLang="en-US"/>
           </a:p>
@@ -2909,7 +2909,7 @@
           <a:p>
             <a:fld id="{B6BE89FA-A3DD-450C-8B51-349954979103}" type="datetimeFigureOut">
               <a:rPr lang="zh-CN" altLang="en-US" smtClean="0"/>
-              <a:t>2022-02-19</a:t>
+              <a:t>2022-02-24</a:t>
             </a:fld>
             <a:endParaRPr lang="zh-CN" altLang="en-US"/>
           </a:p>
@@ -3419,6 +3419,8 @@
                   <a:solidFill>
                     <a:srgbClr val="FF0000"/>
                   </a:solidFill>
+                  <a:latin typeface="Calibri" panose="020F0502020204030204" pitchFamily="34" charset="0"/>
+                  <a:cs typeface="Calibri" panose="020F0502020204030204" pitchFamily="34" charset="0"/>
                 </a:rPr>
                 <a:t>Byzantine Client</a:t>
               </a:r>
@@ -3655,7 +3657,10 @@
                 <a:lstStyle/>
                 <a:p>
                   <a:pPr algn="ctr"/>
-                  <a:endParaRPr lang="zh-CN" altLang="en-US"/>
+                  <a:endParaRPr lang="zh-CN" altLang="en-US">
+                    <a:latin typeface="Calibri" panose="020F0502020204030204" pitchFamily="34" charset="0"/>
+                    <a:cs typeface="Calibri" panose="020F0502020204030204" pitchFamily="34" charset="0"/>
+                  </a:endParaRPr>
                 </a:p>
               </p:txBody>
             </p:sp>
@@ -3742,7 +3747,10 @@
                     <a:lstStyle/>
                     <a:p>
                       <a:pPr algn="ctr"/>
-                      <a:endParaRPr lang="zh-CN" altLang="en-US" dirty="0"/>
+                      <a:endParaRPr lang="zh-CN" altLang="en-US" dirty="0">
+                        <a:latin typeface="Calibri" panose="020F0502020204030204" pitchFamily="34" charset="0"/>
+                        <a:cs typeface="Calibri" panose="020F0502020204030204" pitchFamily="34" charset="0"/>
+                      </a:endParaRPr>
                     </a:p>
                   </p:txBody>
                 </p:sp>
@@ -3789,7 +3797,10 @@
                     <a:lstStyle/>
                     <a:p>
                       <a:pPr algn="ctr"/>
-                      <a:endParaRPr lang="zh-CN" altLang="en-US"/>
+                      <a:endParaRPr lang="zh-CN" altLang="en-US">
+                        <a:latin typeface="Calibri" panose="020F0502020204030204" pitchFamily="34" charset="0"/>
+                        <a:cs typeface="Calibri" panose="020F0502020204030204" pitchFamily="34" charset="0"/>
+                      </a:endParaRPr>
                     </a:p>
                   </p:txBody>
                 </p:sp>
@@ -3836,7 +3847,10 @@
                     <a:lstStyle/>
                     <a:p>
                       <a:pPr algn="ctr"/>
-                      <a:endParaRPr lang="zh-CN" altLang="en-US"/>
+                      <a:endParaRPr lang="zh-CN" altLang="en-US">
+                        <a:latin typeface="Calibri" panose="020F0502020204030204" pitchFamily="34" charset="0"/>
+                        <a:cs typeface="Calibri" panose="020F0502020204030204" pitchFamily="34" charset="0"/>
+                      </a:endParaRPr>
                     </a:p>
                   </p:txBody>
                 </p:sp>
@@ -3883,7 +3897,10 @@
                     <a:lstStyle/>
                     <a:p>
                       <a:pPr algn="ctr"/>
-                      <a:endParaRPr lang="zh-CN" altLang="en-US"/>
+                      <a:endParaRPr lang="zh-CN" altLang="en-US">
+                        <a:latin typeface="Calibri" panose="020F0502020204030204" pitchFamily="34" charset="0"/>
+                        <a:cs typeface="Calibri" panose="020F0502020204030204" pitchFamily="34" charset="0"/>
+                      </a:endParaRPr>
                     </a:p>
                   </p:txBody>
                 </p:sp>
@@ -3930,7 +3947,10 @@
                     <a:lstStyle/>
                     <a:p>
                       <a:pPr algn="ctr"/>
-                      <a:endParaRPr lang="zh-CN" altLang="en-US"/>
+                      <a:endParaRPr lang="zh-CN" altLang="en-US">
+                        <a:latin typeface="Calibri" panose="020F0502020204030204" pitchFamily="34" charset="0"/>
+                        <a:cs typeface="Calibri" panose="020F0502020204030204" pitchFamily="34" charset="0"/>
+                      </a:endParaRPr>
                     </a:p>
                   </p:txBody>
                 </p:sp>
@@ -3977,7 +3997,10 @@
                     <a:lstStyle/>
                     <a:p>
                       <a:pPr algn="ctr"/>
-                      <a:endParaRPr lang="zh-CN" altLang="en-US"/>
+                      <a:endParaRPr lang="zh-CN" altLang="en-US">
+                        <a:latin typeface="Calibri" panose="020F0502020204030204" pitchFamily="34" charset="0"/>
+                        <a:cs typeface="Calibri" panose="020F0502020204030204" pitchFamily="34" charset="0"/>
+                      </a:endParaRPr>
                     </a:p>
                   </p:txBody>
                 </p:sp>
@@ -4024,7 +4047,10 @@
                     <a:lstStyle/>
                     <a:p>
                       <a:pPr algn="ctr"/>
-                      <a:endParaRPr lang="zh-CN" altLang="en-US"/>
+                      <a:endParaRPr lang="zh-CN" altLang="en-US">
+                        <a:latin typeface="Calibri" panose="020F0502020204030204" pitchFamily="34" charset="0"/>
+                        <a:cs typeface="Calibri" panose="020F0502020204030204" pitchFamily="34" charset="0"/>
+                      </a:endParaRPr>
                     </a:p>
                   </p:txBody>
                 </p:sp>
@@ -4071,7 +4097,10 @@
                     <a:lstStyle/>
                     <a:p>
                       <a:pPr algn="ctr"/>
-                      <a:endParaRPr lang="zh-CN" altLang="en-US"/>
+                      <a:endParaRPr lang="zh-CN" altLang="en-US">
+                        <a:latin typeface="Calibri" panose="020F0502020204030204" pitchFamily="34" charset="0"/>
+                        <a:cs typeface="Calibri" panose="020F0502020204030204" pitchFamily="34" charset="0"/>
+                      </a:endParaRPr>
                     </a:p>
                   </p:txBody>
                 </p:sp>
@@ -4118,7 +4147,10 @@
                     <a:lstStyle/>
                     <a:p>
                       <a:pPr algn="ctr"/>
-                      <a:endParaRPr lang="zh-CN" altLang="en-US"/>
+                      <a:endParaRPr lang="zh-CN" altLang="en-US">
+                        <a:latin typeface="Calibri" panose="020F0502020204030204" pitchFamily="34" charset="0"/>
+                        <a:cs typeface="Calibri" panose="020F0502020204030204" pitchFamily="34" charset="0"/>
+                      </a:endParaRPr>
                     </a:p>
                   </p:txBody>
                 </p:sp>
@@ -4965,7 +4997,10 @@
                     <a:lstStyle/>
                     <a:p>
                       <a:pPr algn="ctr"/>
-                      <a:endParaRPr lang="zh-CN" altLang="en-US"/>
+                      <a:endParaRPr lang="zh-CN" altLang="en-US">
+                        <a:latin typeface="Calibri" panose="020F0502020204030204" pitchFamily="34" charset="0"/>
+                        <a:cs typeface="Calibri" panose="020F0502020204030204" pitchFamily="34" charset="0"/>
+                      </a:endParaRPr>
                     </a:p>
                   </p:txBody>
                 </p:sp>
@@ -5170,7 +5205,10 @@
                   <a:lstStyle/>
                   <a:p>
                     <a:pPr algn="ctr"/>
-                    <a:endParaRPr lang="zh-CN" altLang="en-US"/>
+                    <a:endParaRPr lang="zh-CN" altLang="en-US">
+                      <a:latin typeface="Calibri" panose="020F0502020204030204" pitchFamily="34" charset="0"/>
+                      <a:cs typeface="Calibri" panose="020F0502020204030204" pitchFamily="34" charset="0"/>
+                    </a:endParaRPr>
                   </a:p>
                 </p:txBody>
               </p:sp>
@@ -5238,7 +5276,10 @@
                   <a:lstStyle/>
                   <a:p>
                     <a:pPr algn="ctr"/>
-                    <a:endParaRPr lang="zh-CN" altLang="en-US" dirty="0"/>
+                    <a:endParaRPr lang="zh-CN" altLang="en-US" dirty="0">
+                      <a:latin typeface="Calibri" panose="020F0502020204030204" pitchFamily="34" charset="0"/>
+                      <a:cs typeface="Calibri" panose="020F0502020204030204" pitchFamily="34" charset="0"/>
+                    </a:endParaRPr>
                   </a:p>
                 </p:txBody>
               </p:sp>
@@ -5285,7 +5326,10 @@
                   <a:lstStyle/>
                   <a:p>
                     <a:pPr algn="ctr"/>
-                    <a:endParaRPr lang="zh-CN" altLang="en-US"/>
+                    <a:endParaRPr lang="zh-CN" altLang="en-US">
+                      <a:latin typeface="Calibri" panose="020F0502020204030204" pitchFamily="34" charset="0"/>
+                      <a:cs typeface="Calibri" panose="020F0502020204030204" pitchFamily="34" charset="0"/>
+                    </a:endParaRPr>
                   </a:p>
                 </p:txBody>
               </p:sp>
@@ -5332,7 +5376,10 @@
                   <a:lstStyle/>
                   <a:p>
                     <a:pPr algn="ctr"/>
-                    <a:endParaRPr lang="zh-CN" altLang="en-US"/>
+                    <a:endParaRPr lang="zh-CN" altLang="en-US">
+                      <a:latin typeface="Calibri" panose="020F0502020204030204" pitchFamily="34" charset="0"/>
+                      <a:cs typeface="Calibri" panose="020F0502020204030204" pitchFamily="34" charset="0"/>
+                    </a:endParaRPr>
                   </a:p>
                 </p:txBody>
               </p:sp>
@@ -5379,7 +5426,10 @@
                   <a:lstStyle/>
                   <a:p>
                     <a:pPr algn="ctr"/>
-                    <a:endParaRPr lang="zh-CN" altLang="en-US"/>
+                    <a:endParaRPr lang="zh-CN" altLang="en-US">
+                      <a:latin typeface="Calibri" panose="020F0502020204030204" pitchFamily="34" charset="0"/>
+                      <a:cs typeface="Calibri" panose="020F0502020204030204" pitchFamily="34" charset="0"/>
+                    </a:endParaRPr>
                   </a:p>
                 </p:txBody>
               </p:sp>
@@ -5426,7 +5476,10 @@
                   <a:lstStyle/>
                   <a:p>
                     <a:pPr algn="ctr"/>
-                    <a:endParaRPr lang="zh-CN" altLang="en-US"/>
+                    <a:endParaRPr lang="zh-CN" altLang="en-US">
+                      <a:latin typeface="Calibri" panose="020F0502020204030204" pitchFamily="34" charset="0"/>
+                      <a:cs typeface="Calibri" panose="020F0502020204030204" pitchFamily="34" charset="0"/>
+                    </a:endParaRPr>
                   </a:p>
                 </p:txBody>
               </p:sp>
@@ -5473,7 +5526,10 @@
                   <a:lstStyle/>
                   <a:p>
                     <a:pPr algn="ctr"/>
-                    <a:endParaRPr lang="zh-CN" altLang="en-US"/>
+                    <a:endParaRPr lang="zh-CN" altLang="en-US">
+                      <a:latin typeface="Calibri" panose="020F0502020204030204" pitchFamily="34" charset="0"/>
+                      <a:cs typeface="Calibri" panose="020F0502020204030204" pitchFamily="34" charset="0"/>
+                    </a:endParaRPr>
                   </a:p>
                 </p:txBody>
               </p:sp>
@@ -5520,7 +5576,10 @@
                   <a:lstStyle/>
                   <a:p>
                     <a:pPr algn="ctr"/>
-                    <a:endParaRPr lang="zh-CN" altLang="en-US"/>
+                    <a:endParaRPr lang="zh-CN" altLang="en-US">
+                      <a:latin typeface="Calibri" panose="020F0502020204030204" pitchFamily="34" charset="0"/>
+                      <a:cs typeface="Calibri" panose="020F0502020204030204" pitchFamily="34" charset="0"/>
+                    </a:endParaRPr>
                   </a:p>
                 </p:txBody>
               </p:sp>
@@ -5567,7 +5626,10 @@
                   <a:lstStyle/>
                   <a:p>
                     <a:pPr algn="ctr"/>
-                    <a:endParaRPr lang="zh-CN" altLang="en-US"/>
+                    <a:endParaRPr lang="zh-CN" altLang="en-US">
+                      <a:latin typeface="Calibri" panose="020F0502020204030204" pitchFamily="34" charset="0"/>
+                      <a:cs typeface="Calibri" panose="020F0502020204030204" pitchFamily="34" charset="0"/>
+                    </a:endParaRPr>
                   </a:p>
                 </p:txBody>
               </p:sp>
@@ -5614,7 +5676,10 @@
                   <a:lstStyle/>
                   <a:p>
                     <a:pPr algn="ctr"/>
-                    <a:endParaRPr lang="zh-CN" altLang="en-US"/>
+                    <a:endParaRPr lang="zh-CN" altLang="en-US">
+                      <a:latin typeface="Calibri" panose="020F0502020204030204" pitchFamily="34" charset="0"/>
+                      <a:cs typeface="Calibri" panose="020F0502020204030204" pitchFamily="34" charset="0"/>
+                    </a:endParaRPr>
                   </a:p>
                 </p:txBody>
               </p:sp>
@@ -6461,7 +6526,10 @@
                   <a:lstStyle/>
                   <a:p>
                     <a:pPr algn="ctr"/>
-                    <a:endParaRPr lang="zh-CN" altLang="en-US"/>
+                    <a:endParaRPr lang="zh-CN" altLang="en-US">
+                      <a:latin typeface="Calibri" panose="020F0502020204030204" pitchFamily="34" charset="0"/>
+                      <a:cs typeface="Calibri" panose="020F0502020204030204" pitchFamily="34" charset="0"/>
+                    </a:endParaRPr>
                   </a:p>
                 </p:txBody>
               </p:sp>
@@ -6689,7 +6757,10 @@
                   <a:lstStyle/>
                   <a:p>
                     <a:pPr algn="ctr"/>
-                    <a:endParaRPr lang="zh-CN" altLang="en-US" dirty="0"/>
+                    <a:endParaRPr lang="zh-CN" altLang="en-US" dirty="0">
+                      <a:latin typeface="Calibri" panose="020F0502020204030204" pitchFamily="34" charset="0"/>
+                      <a:cs typeface="Calibri" panose="020F0502020204030204" pitchFamily="34" charset="0"/>
+                    </a:endParaRPr>
                   </a:p>
                 </p:txBody>
               </p:sp>
@@ -6736,7 +6807,10 @@
                   <a:lstStyle/>
                   <a:p>
                     <a:pPr algn="ctr"/>
-                    <a:endParaRPr lang="zh-CN" altLang="en-US"/>
+                    <a:endParaRPr lang="zh-CN" altLang="en-US">
+                      <a:latin typeface="Calibri" panose="020F0502020204030204" pitchFamily="34" charset="0"/>
+                      <a:cs typeface="Calibri" panose="020F0502020204030204" pitchFamily="34" charset="0"/>
+                    </a:endParaRPr>
                   </a:p>
                 </p:txBody>
               </p:sp>
@@ -6783,7 +6857,10 @@
                   <a:lstStyle/>
                   <a:p>
                     <a:pPr algn="ctr"/>
-                    <a:endParaRPr lang="zh-CN" altLang="en-US"/>
+                    <a:endParaRPr lang="zh-CN" altLang="en-US">
+                      <a:latin typeface="Calibri" panose="020F0502020204030204" pitchFamily="34" charset="0"/>
+                      <a:cs typeface="Calibri" panose="020F0502020204030204" pitchFamily="34" charset="0"/>
+                    </a:endParaRPr>
                   </a:p>
                 </p:txBody>
               </p:sp>
@@ -6830,7 +6907,10 @@
                   <a:lstStyle/>
                   <a:p>
                     <a:pPr algn="ctr"/>
-                    <a:endParaRPr lang="zh-CN" altLang="en-US"/>
+                    <a:endParaRPr lang="zh-CN" altLang="en-US">
+                      <a:latin typeface="Calibri" panose="020F0502020204030204" pitchFamily="34" charset="0"/>
+                      <a:cs typeface="Calibri" panose="020F0502020204030204" pitchFamily="34" charset="0"/>
+                    </a:endParaRPr>
                   </a:p>
                 </p:txBody>
               </p:sp>
@@ -6877,7 +6957,10 @@
                   <a:lstStyle/>
                   <a:p>
                     <a:pPr algn="ctr"/>
-                    <a:endParaRPr lang="zh-CN" altLang="en-US"/>
+                    <a:endParaRPr lang="zh-CN" altLang="en-US">
+                      <a:latin typeface="Calibri" panose="020F0502020204030204" pitchFamily="34" charset="0"/>
+                      <a:cs typeface="Calibri" panose="020F0502020204030204" pitchFamily="34" charset="0"/>
+                    </a:endParaRPr>
                   </a:p>
                 </p:txBody>
               </p:sp>
@@ -6924,7 +7007,10 @@
                   <a:lstStyle/>
                   <a:p>
                     <a:pPr algn="ctr"/>
-                    <a:endParaRPr lang="zh-CN" altLang="en-US"/>
+                    <a:endParaRPr lang="zh-CN" altLang="en-US">
+                      <a:latin typeface="Calibri" panose="020F0502020204030204" pitchFamily="34" charset="0"/>
+                      <a:cs typeface="Calibri" panose="020F0502020204030204" pitchFamily="34" charset="0"/>
+                    </a:endParaRPr>
                   </a:p>
                 </p:txBody>
               </p:sp>
@@ -6971,7 +7057,10 @@
                   <a:lstStyle/>
                   <a:p>
                     <a:pPr algn="ctr"/>
-                    <a:endParaRPr lang="zh-CN" altLang="en-US"/>
+                    <a:endParaRPr lang="zh-CN" altLang="en-US">
+                      <a:latin typeface="Calibri" panose="020F0502020204030204" pitchFamily="34" charset="0"/>
+                      <a:cs typeface="Calibri" panose="020F0502020204030204" pitchFamily="34" charset="0"/>
+                    </a:endParaRPr>
                   </a:p>
                 </p:txBody>
               </p:sp>
@@ -7018,7 +7107,10 @@
                   <a:lstStyle/>
                   <a:p>
                     <a:pPr algn="ctr"/>
-                    <a:endParaRPr lang="zh-CN" altLang="en-US"/>
+                    <a:endParaRPr lang="zh-CN" altLang="en-US">
+                      <a:latin typeface="Calibri" panose="020F0502020204030204" pitchFamily="34" charset="0"/>
+                      <a:cs typeface="Calibri" panose="020F0502020204030204" pitchFamily="34" charset="0"/>
+                    </a:endParaRPr>
                   </a:p>
                 </p:txBody>
               </p:sp>
@@ -7065,7 +7157,10 @@
                   <a:lstStyle/>
                   <a:p>
                     <a:pPr algn="ctr"/>
-                    <a:endParaRPr lang="zh-CN" altLang="en-US"/>
+                    <a:endParaRPr lang="zh-CN" altLang="en-US">
+                      <a:latin typeface="Calibri" panose="020F0502020204030204" pitchFamily="34" charset="0"/>
+                      <a:cs typeface="Calibri" panose="020F0502020204030204" pitchFamily="34" charset="0"/>
+                    </a:endParaRPr>
                   </a:p>
                 </p:txBody>
               </p:sp>
@@ -7912,7 +8007,10 @@
                   <a:lstStyle/>
                   <a:p>
                     <a:pPr algn="ctr"/>
-                    <a:endParaRPr lang="zh-CN" altLang="en-US"/>
+                    <a:endParaRPr lang="zh-CN" altLang="en-US">
+                      <a:latin typeface="Calibri" panose="020F0502020204030204" pitchFamily="34" charset="0"/>
+                      <a:cs typeface="Calibri" panose="020F0502020204030204" pitchFamily="34" charset="0"/>
+                    </a:endParaRPr>
                   </a:p>
                 </p:txBody>
               </p:sp>
@@ -8107,10 +8205,16 @@
                 <a:p>
                   <a:pPr algn="ctr"/>
                   <a:r>
-                    <a:rPr lang="en-US" altLang="zh-CN" b="1" dirty="0"/>
+                    <a:rPr lang="en-US" altLang="zh-CN" b="1" dirty="0">
+                      <a:latin typeface="Calibri" panose="020F0502020204030204" pitchFamily="34" charset="0"/>
+                      <a:cs typeface="Calibri" panose="020F0502020204030204" pitchFamily="34" charset="0"/>
+                    </a:rPr>
                     <a:t>=</a:t>
                   </a:r>
-                  <a:endParaRPr lang="zh-CN" altLang="en-US" b="1" dirty="0"/>
+                  <a:endParaRPr lang="zh-CN" altLang="en-US" b="1" dirty="0">
+                    <a:latin typeface="Calibri" panose="020F0502020204030204" pitchFamily="34" charset="0"/>
+                    <a:cs typeface="Calibri" panose="020F0502020204030204" pitchFamily="34" charset="0"/>
+                  </a:endParaRPr>
                 </a:p>
               </p:txBody>
             </p:sp>
@@ -8144,10 +8248,16 @@
                 <a:p>
                   <a:pPr algn="ctr"/>
                   <a:r>
-                    <a:rPr lang="en-US" altLang="zh-CN" b="1" dirty="0"/>
+                    <a:rPr lang="en-US" altLang="zh-CN" b="1" dirty="0">
+                      <a:latin typeface="Calibri" panose="020F0502020204030204" pitchFamily="34" charset="0"/>
+                      <a:cs typeface="Calibri" panose="020F0502020204030204" pitchFamily="34" charset="0"/>
+                    </a:rPr>
                     <a:t>-</a:t>
                   </a:r>
-                  <a:endParaRPr lang="zh-CN" altLang="en-US" b="1" dirty="0"/>
+                  <a:endParaRPr lang="zh-CN" altLang="en-US" b="1" dirty="0">
+                    <a:latin typeface="Calibri" panose="020F0502020204030204" pitchFamily="34" charset="0"/>
+                    <a:cs typeface="Calibri" panose="020F0502020204030204" pitchFamily="34" charset="0"/>
+                  </a:endParaRPr>
                 </a:p>
               </p:txBody>
             </p:sp>
@@ -8260,7 +8370,10 @@
             <a:lstStyle/>
             <a:p>
               <a:pPr algn="ctr"/>
-              <a:endParaRPr lang="en-US" sz="900"/>
+              <a:endParaRPr lang="en-US" sz="900">
+                <a:latin typeface="Calibri" panose="020F0502020204030204" pitchFamily="34" charset="0"/>
+                <a:cs typeface="Calibri" panose="020F0502020204030204" pitchFamily="34" charset="0"/>
+              </a:endParaRPr>
             </a:p>
           </p:txBody>
         </p:sp>
@@ -8294,7 +8407,10 @@
             <a:p>
               <a:pPr algn="ctr"/>
               <a:r>
-                <a:rPr lang="en-US" altLang="zh-CN" sz="800" b="1" i="1" dirty="0"/>
+                <a:rPr lang="en-US" altLang="zh-CN" sz="800" b="1" i="1" dirty="0">
+                  <a:latin typeface="Calibri" panose="020F0502020204030204" pitchFamily="34" charset="0"/>
+                  <a:cs typeface="Calibri" panose="020F0502020204030204" pitchFamily="34" charset="0"/>
+                </a:rPr>
                 <a:t>Local Dataset</a:t>
               </a:r>
             </a:p>
@@ -8383,7 +8499,10 @@
                 <a:lstStyle/>
                 <a:p>
                   <a:pPr algn="ctr"/>
-                  <a:endParaRPr lang="zh-CN" altLang="en-US" dirty="0"/>
+                  <a:endParaRPr lang="zh-CN" altLang="en-US" dirty="0">
+                    <a:latin typeface="Calibri" panose="020F0502020204030204" pitchFamily="34" charset="0"/>
+                    <a:cs typeface="Calibri" panose="020F0502020204030204" pitchFamily="34" charset="0"/>
+                  </a:endParaRPr>
                 </a:p>
               </p:txBody>
             </p:sp>
@@ -8430,7 +8549,10 @@
                 <a:lstStyle/>
                 <a:p>
                   <a:pPr algn="ctr"/>
-                  <a:endParaRPr lang="zh-CN" altLang="en-US"/>
+                  <a:endParaRPr lang="zh-CN" altLang="en-US">
+                    <a:latin typeface="Calibri" panose="020F0502020204030204" pitchFamily="34" charset="0"/>
+                    <a:cs typeface="Calibri" panose="020F0502020204030204" pitchFamily="34" charset="0"/>
+                  </a:endParaRPr>
                 </a:p>
               </p:txBody>
             </p:sp>
@@ -8477,7 +8599,10 @@
                 <a:lstStyle/>
                 <a:p>
                   <a:pPr algn="ctr"/>
-                  <a:endParaRPr lang="zh-CN" altLang="en-US"/>
+                  <a:endParaRPr lang="zh-CN" altLang="en-US">
+                    <a:latin typeface="Calibri" panose="020F0502020204030204" pitchFamily="34" charset="0"/>
+                    <a:cs typeface="Calibri" panose="020F0502020204030204" pitchFamily="34" charset="0"/>
+                  </a:endParaRPr>
                 </a:p>
               </p:txBody>
             </p:sp>
@@ -8524,7 +8649,10 @@
                 <a:lstStyle/>
                 <a:p>
                   <a:pPr algn="ctr"/>
-                  <a:endParaRPr lang="zh-CN" altLang="en-US"/>
+                  <a:endParaRPr lang="zh-CN" altLang="en-US">
+                    <a:latin typeface="Calibri" panose="020F0502020204030204" pitchFamily="34" charset="0"/>
+                    <a:cs typeface="Calibri" panose="020F0502020204030204" pitchFamily="34" charset="0"/>
+                  </a:endParaRPr>
                 </a:p>
               </p:txBody>
             </p:sp>
@@ -8571,7 +8699,10 @@
                 <a:lstStyle/>
                 <a:p>
                   <a:pPr algn="ctr"/>
-                  <a:endParaRPr lang="zh-CN" altLang="en-US"/>
+                  <a:endParaRPr lang="zh-CN" altLang="en-US">
+                    <a:latin typeface="Calibri" panose="020F0502020204030204" pitchFamily="34" charset="0"/>
+                    <a:cs typeface="Calibri" panose="020F0502020204030204" pitchFamily="34" charset="0"/>
+                  </a:endParaRPr>
                 </a:p>
               </p:txBody>
             </p:sp>
@@ -8618,7 +8749,10 @@
                 <a:lstStyle/>
                 <a:p>
                   <a:pPr algn="ctr"/>
-                  <a:endParaRPr lang="zh-CN" altLang="en-US"/>
+                  <a:endParaRPr lang="zh-CN" altLang="en-US">
+                    <a:latin typeface="Calibri" panose="020F0502020204030204" pitchFamily="34" charset="0"/>
+                    <a:cs typeface="Calibri" panose="020F0502020204030204" pitchFamily="34" charset="0"/>
+                  </a:endParaRPr>
                 </a:p>
               </p:txBody>
             </p:sp>
@@ -8665,7 +8799,10 @@
                 <a:lstStyle/>
                 <a:p>
                   <a:pPr algn="ctr"/>
-                  <a:endParaRPr lang="zh-CN" altLang="en-US"/>
+                  <a:endParaRPr lang="zh-CN" altLang="en-US">
+                    <a:latin typeface="Calibri" panose="020F0502020204030204" pitchFamily="34" charset="0"/>
+                    <a:cs typeface="Calibri" panose="020F0502020204030204" pitchFamily="34" charset="0"/>
+                  </a:endParaRPr>
                 </a:p>
               </p:txBody>
             </p:sp>
@@ -8712,7 +8849,10 @@
                 <a:lstStyle/>
                 <a:p>
                   <a:pPr algn="ctr"/>
-                  <a:endParaRPr lang="zh-CN" altLang="en-US"/>
+                  <a:endParaRPr lang="zh-CN" altLang="en-US">
+                    <a:latin typeface="Calibri" panose="020F0502020204030204" pitchFamily="34" charset="0"/>
+                    <a:cs typeface="Calibri" panose="020F0502020204030204" pitchFamily="34" charset="0"/>
+                  </a:endParaRPr>
                 </a:p>
               </p:txBody>
             </p:sp>
@@ -8759,7 +8899,10 @@
                 <a:lstStyle/>
                 <a:p>
                   <a:pPr algn="ctr"/>
-                  <a:endParaRPr lang="zh-CN" altLang="en-US"/>
+                  <a:endParaRPr lang="zh-CN" altLang="en-US">
+                    <a:latin typeface="Calibri" panose="020F0502020204030204" pitchFamily="34" charset="0"/>
+                    <a:cs typeface="Calibri" panose="020F0502020204030204" pitchFamily="34" charset="0"/>
+                  </a:endParaRPr>
                 </a:p>
               </p:txBody>
             </p:sp>
@@ -9606,7 +9749,10 @@
                 <a:lstStyle/>
                 <a:p>
                   <a:pPr algn="ctr"/>
-                  <a:endParaRPr lang="zh-CN" altLang="en-US"/>
+                  <a:endParaRPr lang="zh-CN" altLang="en-US">
+                    <a:latin typeface="Calibri" panose="020F0502020204030204" pitchFamily="34" charset="0"/>
+                    <a:cs typeface="Calibri" panose="020F0502020204030204" pitchFamily="34" charset="0"/>
+                  </a:endParaRPr>
                 </a:p>
               </p:txBody>
             </p:sp>
@@ -9831,7 +9977,10 @@
               <a:p>
                 <a:pPr algn="ctr"/>
                 <a:r>
-                  <a:rPr lang="en-US" altLang="zh-CN" sz="800" b="1" i="1" dirty="0"/>
+                  <a:rPr lang="en-US" altLang="zh-CN" sz="800" b="1" i="1" dirty="0">
+                    <a:latin typeface="Calibri" panose="020F0502020204030204" pitchFamily="34" charset="0"/>
+                    <a:cs typeface="Calibri" panose="020F0502020204030204" pitchFamily="34" charset="0"/>
+                  </a:rPr>
                   <a:t>Local Model</a:t>
                 </a:r>
               </a:p>
@@ -9902,7 +10051,10 @@
             <a:lstStyle/>
             <a:p>
               <a:pPr algn="ctr"/>
-              <a:endParaRPr lang="zh-CN" altLang="en-US" dirty="0"/>
+              <a:endParaRPr lang="zh-CN" altLang="en-US" dirty="0">
+                <a:latin typeface="Calibri" panose="020F0502020204030204" pitchFamily="34" charset="0"/>
+                <a:cs typeface="Calibri" panose="020F0502020204030204" pitchFamily="34" charset="0"/>
+              </a:endParaRPr>
             </a:p>
           </p:txBody>
         </p:sp>
@@ -9949,7 +10101,10 @@
             <a:lstStyle/>
             <a:p>
               <a:pPr algn="ctr"/>
-              <a:endParaRPr lang="zh-CN" altLang="en-US"/>
+              <a:endParaRPr lang="zh-CN" altLang="en-US">
+                <a:latin typeface="Calibri" panose="020F0502020204030204" pitchFamily="34" charset="0"/>
+                <a:cs typeface="Calibri" panose="020F0502020204030204" pitchFamily="34" charset="0"/>
+              </a:endParaRPr>
             </a:p>
           </p:txBody>
         </p:sp>
@@ -9996,7 +10151,10 @@
             <a:lstStyle/>
             <a:p>
               <a:pPr algn="ctr"/>
-              <a:endParaRPr lang="zh-CN" altLang="en-US"/>
+              <a:endParaRPr lang="zh-CN" altLang="en-US">
+                <a:latin typeface="Calibri" panose="020F0502020204030204" pitchFamily="34" charset="0"/>
+                <a:cs typeface="Calibri" panose="020F0502020204030204" pitchFamily="34" charset="0"/>
+              </a:endParaRPr>
             </a:p>
           </p:txBody>
         </p:sp>
@@ -10043,7 +10201,10 @@
             <a:lstStyle/>
             <a:p>
               <a:pPr algn="ctr"/>
-              <a:endParaRPr lang="zh-CN" altLang="en-US"/>
+              <a:endParaRPr lang="zh-CN" altLang="en-US">
+                <a:latin typeface="Calibri" panose="020F0502020204030204" pitchFamily="34" charset="0"/>
+                <a:cs typeface="Calibri" panose="020F0502020204030204" pitchFamily="34" charset="0"/>
+              </a:endParaRPr>
             </a:p>
           </p:txBody>
         </p:sp>
@@ -10090,7 +10251,10 @@
             <a:lstStyle/>
             <a:p>
               <a:pPr algn="ctr"/>
-              <a:endParaRPr lang="zh-CN" altLang="en-US"/>
+              <a:endParaRPr lang="zh-CN" altLang="en-US">
+                <a:latin typeface="Calibri" panose="020F0502020204030204" pitchFamily="34" charset="0"/>
+                <a:cs typeface="Calibri" panose="020F0502020204030204" pitchFamily="34" charset="0"/>
+              </a:endParaRPr>
             </a:p>
           </p:txBody>
         </p:sp>
@@ -10137,7 +10301,10 @@
             <a:lstStyle/>
             <a:p>
               <a:pPr algn="ctr"/>
-              <a:endParaRPr lang="zh-CN" altLang="en-US"/>
+              <a:endParaRPr lang="zh-CN" altLang="en-US">
+                <a:latin typeface="Calibri" panose="020F0502020204030204" pitchFamily="34" charset="0"/>
+                <a:cs typeface="Calibri" panose="020F0502020204030204" pitchFamily="34" charset="0"/>
+              </a:endParaRPr>
             </a:p>
           </p:txBody>
         </p:sp>
@@ -10184,7 +10351,10 @@
             <a:lstStyle/>
             <a:p>
               <a:pPr algn="ctr"/>
-              <a:endParaRPr lang="zh-CN" altLang="en-US"/>
+              <a:endParaRPr lang="zh-CN" altLang="en-US">
+                <a:latin typeface="Calibri" panose="020F0502020204030204" pitchFamily="34" charset="0"/>
+                <a:cs typeface="Calibri" panose="020F0502020204030204" pitchFamily="34" charset="0"/>
+              </a:endParaRPr>
             </a:p>
           </p:txBody>
         </p:sp>
@@ -10231,7 +10401,10 @@
             <a:lstStyle/>
             <a:p>
               <a:pPr algn="ctr"/>
-              <a:endParaRPr lang="zh-CN" altLang="en-US"/>
+              <a:endParaRPr lang="zh-CN" altLang="en-US">
+                <a:latin typeface="Calibri" panose="020F0502020204030204" pitchFamily="34" charset="0"/>
+                <a:cs typeface="Calibri" panose="020F0502020204030204" pitchFamily="34" charset="0"/>
+              </a:endParaRPr>
             </a:p>
           </p:txBody>
         </p:sp>
@@ -10278,7 +10451,10 @@
             <a:lstStyle/>
             <a:p>
               <a:pPr algn="ctr"/>
-              <a:endParaRPr lang="zh-CN" altLang="en-US"/>
+              <a:endParaRPr lang="zh-CN" altLang="en-US">
+                <a:latin typeface="Calibri" panose="020F0502020204030204" pitchFamily="34" charset="0"/>
+                <a:cs typeface="Calibri" panose="020F0502020204030204" pitchFamily="34" charset="0"/>
+              </a:endParaRPr>
             </a:p>
           </p:txBody>
         </p:sp>
@@ -11125,7 +11301,10 @@
             <a:lstStyle/>
             <a:p>
               <a:pPr algn="ctr"/>
-              <a:endParaRPr lang="zh-CN" altLang="en-US"/>
+              <a:endParaRPr lang="zh-CN" altLang="en-US">
+                <a:latin typeface="Calibri" panose="020F0502020204030204" pitchFamily="34" charset="0"/>
+                <a:cs typeface="Calibri" panose="020F0502020204030204" pitchFamily="34" charset="0"/>
+              </a:endParaRPr>
             </a:p>
           </p:txBody>
         </p:sp>
@@ -11339,7 +11518,10 @@
           <a:lstStyle/>
           <a:p>
             <a:pPr algn="ctr"/>
-            <a:endParaRPr lang="zh-CN" altLang="en-US" sz="900"/>
+            <a:endParaRPr lang="zh-CN" altLang="en-US" sz="900">
+              <a:latin typeface="Calibri" panose="020F0502020204030204" pitchFamily="34" charset="0"/>
+              <a:cs typeface="Calibri" panose="020F0502020204030204" pitchFamily="34" charset="0"/>
+            </a:endParaRPr>
           </a:p>
         </p:txBody>
       </p:sp>
@@ -11446,7 +11628,10 @@
                 <a:lstStyle/>
                 <a:p>
                   <a:pPr algn="ctr"/>
-                  <a:endParaRPr lang="zh-CN" altLang="en-US" dirty="0"/>
+                  <a:endParaRPr lang="zh-CN" altLang="en-US" dirty="0">
+                    <a:latin typeface="Calibri" panose="020F0502020204030204" pitchFamily="34" charset="0"/>
+                    <a:cs typeface="Calibri" panose="020F0502020204030204" pitchFamily="34" charset="0"/>
+                  </a:endParaRPr>
                 </a:p>
               </p:txBody>
             </p:sp>
@@ -11493,7 +11678,10 @@
                 <a:lstStyle/>
                 <a:p>
                   <a:pPr algn="ctr"/>
-                  <a:endParaRPr lang="zh-CN" altLang="en-US"/>
+                  <a:endParaRPr lang="zh-CN" altLang="en-US">
+                    <a:latin typeface="Calibri" panose="020F0502020204030204" pitchFamily="34" charset="0"/>
+                    <a:cs typeface="Calibri" panose="020F0502020204030204" pitchFamily="34" charset="0"/>
+                  </a:endParaRPr>
                 </a:p>
               </p:txBody>
             </p:sp>
@@ -11540,7 +11728,10 @@
                 <a:lstStyle/>
                 <a:p>
                   <a:pPr algn="ctr"/>
-                  <a:endParaRPr lang="zh-CN" altLang="en-US"/>
+                  <a:endParaRPr lang="zh-CN" altLang="en-US">
+                    <a:latin typeface="Calibri" panose="020F0502020204030204" pitchFamily="34" charset="0"/>
+                    <a:cs typeface="Calibri" panose="020F0502020204030204" pitchFamily="34" charset="0"/>
+                  </a:endParaRPr>
                 </a:p>
               </p:txBody>
             </p:sp>
@@ -11587,7 +11778,10 @@
                 <a:lstStyle/>
                 <a:p>
                   <a:pPr algn="ctr"/>
-                  <a:endParaRPr lang="zh-CN" altLang="en-US"/>
+                  <a:endParaRPr lang="zh-CN" altLang="en-US">
+                    <a:latin typeface="Calibri" panose="020F0502020204030204" pitchFamily="34" charset="0"/>
+                    <a:cs typeface="Calibri" panose="020F0502020204030204" pitchFamily="34" charset="0"/>
+                  </a:endParaRPr>
                 </a:p>
               </p:txBody>
             </p:sp>
@@ -11634,7 +11828,10 @@
                 <a:lstStyle/>
                 <a:p>
                   <a:pPr algn="ctr"/>
-                  <a:endParaRPr lang="zh-CN" altLang="en-US"/>
+                  <a:endParaRPr lang="zh-CN" altLang="en-US">
+                    <a:latin typeface="Calibri" panose="020F0502020204030204" pitchFamily="34" charset="0"/>
+                    <a:cs typeface="Calibri" panose="020F0502020204030204" pitchFamily="34" charset="0"/>
+                  </a:endParaRPr>
                 </a:p>
               </p:txBody>
             </p:sp>
@@ -11681,7 +11878,10 @@
                 <a:lstStyle/>
                 <a:p>
                   <a:pPr algn="ctr"/>
-                  <a:endParaRPr lang="zh-CN" altLang="en-US"/>
+                  <a:endParaRPr lang="zh-CN" altLang="en-US">
+                    <a:latin typeface="Calibri" panose="020F0502020204030204" pitchFamily="34" charset="0"/>
+                    <a:cs typeface="Calibri" panose="020F0502020204030204" pitchFamily="34" charset="0"/>
+                  </a:endParaRPr>
                 </a:p>
               </p:txBody>
             </p:sp>
@@ -11728,7 +11928,10 @@
                 <a:lstStyle/>
                 <a:p>
                   <a:pPr algn="ctr"/>
-                  <a:endParaRPr lang="zh-CN" altLang="en-US"/>
+                  <a:endParaRPr lang="zh-CN" altLang="en-US">
+                    <a:latin typeface="Calibri" panose="020F0502020204030204" pitchFamily="34" charset="0"/>
+                    <a:cs typeface="Calibri" panose="020F0502020204030204" pitchFamily="34" charset="0"/>
+                  </a:endParaRPr>
                 </a:p>
               </p:txBody>
             </p:sp>
@@ -11775,7 +11978,10 @@
                 <a:lstStyle/>
                 <a:p>
                   <a:pPr algn="ctr"/>
-                  <a:endParaRPr lang="zh-CN" altLang="en-US"/>
+                  <a:endParaRPr lang="zh-CN" altLang="en-US">
+                    <a:latin typeface="Calibri" panose="020F0502020204030204" pitchFamily="34" charset="0"/>
+                    <a:cs typeface="Calibri" panose="020F0502020204030204" pitchFamily="34" charset="0"/>
+                  </a:endParaRPr>
                 </a:p>
               </p:txBody>
             </p:sp>
@@ -11822,7 +12028,10 @@
                 <a:lstStyle/>
                 <a:p>
                   <a:pPr algn="ctr"/>
-                  <a:endParaRPr lang="zh-CN" altLang="en-US"/>
+                  <a:endParaRPr lang="zh-CN" altLang="en-US">
+                    <a:latin typeface="Calibri" panose="020F0502020204030204" pitchFamily="34" charset="0"/>
+                    <a:cs typeface="Calibri" panose="020F0502020204030204" pitchFamily="34" charset="0"/>
+                  </a:endParaRPr>
                 </a:p>
               </p:txBody>
             </p:sp>
@@ -12669,7 +12878,10 @@
                 <a:lstStyle/>
                 <a:p>
                   <a:pPr algn="ctr"/>
-                  <a:endParaRPr lang="zh-CN" altLang="en-US"/>
+                  <a:endParaRPr lang="zh-CN" altLang="en-US">
+                    <a:latin typeface="Calibri" panose="020F0502020204030204" pitchFamily="34" charset="0"/>
+                    <a:cs typeface="Calibri" panose="020F0502020204030204" pitchFamily="34" charset="0"/>
+                  </a:endParaRPr>
                 </a:p>
               </p:txBody>
             </p:sp>
@@ -12874,7 +13086,10 @@
               <a:lstStyle/>
               <a:p>
                 <a:pPr algn="ctr"/>
-                <a:endParaRPr lang="zh-CN" altLang="en-US"/>
+                <a:endParaRPr lang="zh-CN" altLang="en-US">
+                  <a:latin typeface="Calibri" panose="020F0502020204030204" pitchFamily="34" charset="0"/>
+                  <a:cs typeface="Calibri" panose="020F0502020204030204" pitchFamily="34" charset="0"/>
+                </a:endParaRPr>
               </a:p>
             </p:txBody>
           </p:sp>
@@ -12965,7 +13180,10 @@
                 <a:lstStyle/>
                 <a:p>
                   <a:pPr algn="ctr"/>
-                  <a:endParaRPr lang="zh-CN" altLang="en-US" dirty="0"/>
+                  <a:endParaRPr lang="zh-CN" altLang="en-US" dirty="0">
+                    <a:latin typeface="Calibri" panose="020F0502020204030204" pitchFamily="34" charset="0"/>
+                    <a:cs typeface="Calibri" panose="020F0502020204030204" pitchFamily="34" charset="0"/>
+                  </a:endParaRPr>
                 </a:p>
               </p:txBody>
             </p:sp>
@@ -13015,7 +13233,10 @@
                 <a:lstStyle/>
                 <a:p>
                   <a:pPr algn="ctr"/>
-                  <a:endParaRPr lang="zh-CN" altLang="en-US"/>
+                  <a:endParaRPr lang="zh-CN" altLang="en-US">
+                    <a:latin typeface="Calibri" panose="020F0502020204030204" pitchFamily="34" charset="0"/>
+                    <a:cs typeface="Calibri" panose="020F0502020204030204" pitchFamily="34" charset="0"/>
+                  </a:endParaRPr>
                 </a:p>
               </p:txBody>
             </p:sp>
@@ -13065,7 +13286,10 @@
                 <a:lstStyle/>
                 <a:p>
                   <a:pPr algn="ctr"/>
-                  <a:endParaRPr lang="zh-CN" altLang="en-US"/>
+                  <a:endParaRPr lang="zh-CN" altLang="en-US">
+                    <a:latin typeface="Calibri" panose="020F0502020204030204" pitchFamily="34" charset="0"/>
+                    <a:cs typeface="Calibri" panose="020F0502020204030204" pitchFamily="34" charset="0"/>
+                  </a:endParaRPr>
                 </a:p>
               </p:txBody>
             </p:sp>
@@ -13115,7 +13339,10 @@
                 <a:lstStyle/>
                 <a:p>
                   <a:pPr algn="ctr"/>
-                  <a:endParaRPr lang="zh-CN" altLang="en-US"/>
+                  <a:endParaRPr lang="zh-CN" altLang="en-US">
+                    <a:latin typeface="Calibri" panose="020F0502020204030204" pitchFamily="34" charset="0"/>
+                    <a:cs typeface="Calibri" panose="020F0502020204030204" pitchFamily="34" charset="0"/>
+                  </a:endParaRPr>
                 </a:p>
               </p:txBody>
             </p:sp>
@@ -13165,7 +13392,10 @@
                 <a:lstStyle/>
                 <a:p>
                   <a:pPr algn="ctr"/>
-                  <a:endParaRPr lang="zh-CN" altLang="en-US"/>
+                  <a:endParaRPr lang="zh-CN" altLang="en-US">
+                    <a:latin typeface="Calibri" panose="020F0502020204030204" pitchFamily="34" charset="0"/>
+                    <a:cs typeface="Calibri" panose="020F0502020204030204" pitchFamily="34" charset="0"/>
+                  </a:endParaRPr>
                 </a:p>
               </p:txBody>
             </p:sp>
@@ -13215,7 +13445,10 @@
                 <a:lstStyle/>
                 <a:p>
                   <a:pPr algn="ctr"/>
-                  <a:endParaRPr lang="zh-CN" altLang="en-US"/>
+                  <a:endParaRPr lang="zh-CN" altLang="en-US">
+                    <a:latin typeface="Calibri" panose="020F0502020204030204" pitchFamily="34" charset="0"/>
+                    <a:cs typeface="Calibri" panose="020F0502020204030204" pitchFamily="34" charset="0"/>
+                  </a:endParaRPr>
                 </a:p>
               </p:txBody>
             </p:sp>
@@ -13265,7 +13498,10 @@
                 <a:lstStyle/>
                 <a:p>
                   <a:pPr algn="ctr"/>
-                  <a:endParaRPr lang="zh-CN" altLang="en-US"/>
+                  <a:endParaRPr lang="zh-CN" altLang="en-US">
+                    <a:latin typeface="Calibri" panose="020F0502020204030204" pitchFamily="34" charset="0"/>
+                    <a:cs typeface="Calibri" panose="020F0502020204030204" pitchFamily="34" charset="0"/>
+                  </a:endParaRPr>
                 </a:p>
               </p:txBody>
             </p:sp>
@@ -13315,7 +13551,10 @@
                 <a:lstStyle/>
                 <a:p>
                   <a:pPr algn="ctr"/>
-                  <a:endParaRPr lang="zh-CN" altLang="en-US"/>
+                  <a:endParaRPr lang="zh-CN" altLang="en-US">
+                    <a:latin typeface="Calibri" panose="020F0502020204030204" pitchFamily="34" charset="0"/>
+                    <a:cs typeface="Calibri" panose="020F0502020204030204" pitchFamily="34" charset="0"/>
+                  </a:endParaRPr>
                 </a:p>
               </p:txBody>
             </p:sp>
@@ -13365,7 +13604,10 @@
                 <a:lstStyle/>
                 <a:p>
                   <a:pPr algn="ctr"/>
-                  <a:endParaRPr lang="zh-CN" altLang="en-US"/>
+                  <a:endParaRPr lang="zh-CN" altLang="en-US">
+                    <a:latin typeface="Calibri" panose="020F0502020204030204" pitchFamily="34" charset="0"/>
+                    <a:cs typeface="Calibri" panose="020F0502020204030204" pitchFamily="34" charset="0"/>
+                  </a:endParaRPr>
                 </a:p>
               </p:txBody>
             </p:sp>
@@ -14215,7 +14457,10 @@
                 <a:lstStyle/>
                 <a:p>
                   <a:pPr algn="ctr"/>
-                  <a:endParaRPr lang="zh-CN" altLang="en-US"/>
+                  <a:endParaRPr lang="zh-CN" altLang="en-US">
+                    <a:latin typeface="Calibri" panose="020F0502020204030204" pitchFamily="34" charset="0"/>
+                    <a:cs typeface="Calibri" panose="020F0502020204030204" pitchFamily="34" charset="0"/>
+                  </a:endParaRPr>
                 </a:p>
               </p:txBody>
             </p:sp>
@@ -14420,7 +14665,10 @@
               <a:lstStyle/>
               <a:p>
                 <a:pPr algn="ctr"/>
-                <a:endParaRPr lang="zh-CN" altLang="en-US"/>
+                <a:endParaRPr lang="zh-CN" altLang="en-US">
+                  <a:latin typeface="Calibri" panose="020F0502020204030204" pitchFamily="34" charset="0"/>
+                  <a:cs typeface="Calibri" panose="020F0502020204030204" pitchFamily="34" charset="0"/>
+                </a:endParaRPr>
               </a:p>
             </p:txBody>
           </p:sp>
@@ -14511,7 +14759,10 @@
                 <a:lstStyle/>
                 <a:p>
                   <a:pPr algn="ctr"/>
-                  <a:endParaRPr lang="zh-CN" altLang="en-US" dirty="0"/>
+                  <a:endParaRPr lang="zh-CN" altLang="en-US" dirty="0">
+                    <a:latin typeface="Calibri" panose="020F0502020204030204" pitchFamily="34" charset="0"/>
+                    <a:cs typeface="Calibri" panose="020F0502020204030204" pitchFamily="34" charset="0"/>
+                  </a:endParaRPr>
                 </a:p>
               </p:txBody>
             </p:sp>
@@ -14561,7 +14812,10 @@
                 <a:lstStyle/>
                 <a:p>
                   <a:pPr algn="ctr"/>
-                  <a:endParaRPr lang="zh-CN" altLang="en-US"/>
+                  <a:endParaRPr lang="zh-CN" altLang="en-US">
+                    <a:latin typeface="Calibri" panose="020F0502020204030204" pitchFamily="34" charset="0"/>
+                    <a:cs typeface="Calibri" panose="020F0502020204030204" pitchFamily="34" charset="0"/>
+                  </a:endParaRPr>
                 </a:p>
               </p:txBody>
             </p:sp>
@@ -14611,7 +14865,10 @@
                 <a:lstStyle/>
                 <a:p>
                   <a:pPr algn="ctr"/>
-                  <a:endParaRPr lang="zh-CN" altLang="en-US"/>
+                  <a:endParaRPr lang="zh-CN" altLang="en-US">
+                    <a:latin typeface="Calibri" panose="020F0502020204030204" pitchFamily="34" charset="0"/>
+                    <a:cs typeface="Calibri" panose="020F0502020204030204" pitchFamily="34" charset="0"/>
+                  </a:endParaRPr>
                 </a:p>
               </p:txBody>
             </p:sp>
@@ -14661,7 +14918,10 @@
                 <a:lstStyle/>
                 <a:p>
                   <a:pPr algn="ctr"/>
-                  <a:endParaRPr lang="zh-CN" altLang="en-US"/>
+                  <a:endParaRPr lang="zh-CN" altLang="en-US">
+                    <a:latin typeface="Calibri" panose="020F0502020204030204" pitchFamily="34" charset="0"/>
+                    <a:cs typeface="Calibri" panose="020F0502020204030204" pitchFamily="34" charset="0"/>
+                  </a:endParaRPr>
                 </a:p>
               </p:txBody>
             </p:sp>
@@ -14711,7 +14971,10 @@
                 <a:lstStyle/>
                 <a:p>
                   <a:pPr algn="ctr"/>
-                  <a:endParaRPr lang="zh-CN" altLang="en-US"/>
+                  <a:endParaRPr lang="zh-CN" altLang="en-US">
+                    <a:latin typeface="Calibri" panose="020F0502020204030204" pitchFamily="34" charset="0"/>
+                    <a:cs typeface="Calibri" panose="020F0502020204030204" pitchFamily="34" charset="0"/>
+                  </a:endParaRPr>
                 </a:p>
               </p:txBody>
             </p:sp>
@@ -14761,7 +15024,10 @@
                 <a:lstStyle/>
                 <a:p>
                   <a:pPr algn="ctr"/>
-                  <a:endParaRPr lang="zh-CN" altLang="en-US"/>
+                  <a:endParaRPr lang="zh-CN" altLang="en-US">
+                    <a:latin typeface="Calibri" panose="020F0502020204030204" pitchFamily="34" charset="0"/>
+                    <a:cs typeface="Calibri" panose="020F0502020204030204" pitchFamily="34" charset="0"/>
+                  </a:endParaRPr>
                 </a:p>
               </p:txBody>
             </p:sp>
@@ -14811,7 +15077,10 @@
                 <a:lstStyle/>
                 <a:p>
                   <a:pPr algn="ctr"/>
-                  <a:endParaRPr lang="zh-CN" altLang="en-US"/>
+                  <a:endParaRPr lang="zh-CN" altLang="en-US">
+                    <a:latin typeface="Calibri" panose="020F0502020204030204" pitchFamily="34" charset="0"/>
+                    <a:cs typeface="Calibri" panose="020F0502020204030204" pitchFamily="34" charset="0"/>
+                  </a:endParaRPr>
                 </a:p>
               </p:txBody>
             </p:sp>
@@ -14861,7 +15130,10 @@
                 <a:lstStyle/>
                 <a:p>
                   <a:pPr algn="ctr"/>
-                  <a:endParaRPr lang="zh-CN" altLang="en-US"/>
+                  <a:endParaRPr lang="zh-CN" altLang="en-US">
+                    <a:latin typeface="Calibri" panose="020F0502020204030204" pitchFamily="34" charset="0"/>
+                    <a:cs typeface="Calibri" panose="020F0502020204030204" pitchFamily="34" charset="0"/>
+                  </a:endParaRPr>
                 </a:p>
               </p:txBody>
             </p:sp>
@@ -14911,7 +15183,10 @@
                 <a:lstStyle/>
                 <a:p>
                   <a:pPr algn="ctr"/>
-                  <a:endParaRPr lang="zh-CN" altLang="en-US"/>
+                  <a:endParaRPr lang="zh-CN" altLang="en-US">
+                    <a:latin typeface="Calibri" panose="020F0502020204030204" pitchFamily="34" charset="0"/>
+                    <a:cs typeface="Calibri" panose="020F0502020204030204" pitchFamily="34" charset="0"/>
+                  </a:endParaRPr>
                 </a:p>
               </p:txBody>
             </p:sp>
@@ -15761,7 +16036,10 @@
                 <a:lstStyle/>
                 <a:p>
                   <a:pPr algn="ctr"/>
-                  <a:endParaRPr lang="zh-CN" altLang="en-US"/>
+                  <a:endParaRPr lang="zh-CN" altLang="en-US">
+                    <a:latin typeface="Calibri" panose="020F0502020204030204" pitchFamily="34" charset="0"/>
+                    <a:cs typeface="Calibri" panose="020F0502020204030204" pitchFamily="34" charset="0"/>
+                  </a:endParaRPr>
                 </a:p>
               </p:txBody>
             </p:sp>
@@ -15966,7 +16244,10 @@
               <a:lstStyle/>
               <a:p>
                 <a:pPr algn="ctr"/>
-                <a:endParaRPr lang="zh-CN" altLang="en-US"/>
+                <a:endParaRPr lang="zh-CN" altLang="en-US">
+                  <a:latin typeface="Calibri" panose="020F0502020204030204" pitchFamily="34" charset="0"/>
+                  <a:cs typeface="Calibri" panose="020F0502020204030204" pitchFamily="34" charset="0"/>
+                </a:endParaRPr>
               </a:p>
             </p:txBody>
           </p:sp>
@@ -16001,10 +16282,16 @@
             <a:p>
               <a:pPr algn="ctr"/>
               <a:r>
-                <a:rPr lang="en-US" altLang="zh-CN" sz="900" b="1" dirty="0"/>
+                <a:rPr lang="en-US" altLang="zh-CN" sz="900" b="1" dirty="0">
+                  <a:latin typeface="Calibri" panose="020F0502020204030204" pitchFamily="34" charset="0"/>
+                  <a:cs typeface="Calibri" panose="020F0502020204030204" pitchFamily="34" charset="0"/>
+                </a:rPr>
                 <a:t>+…+</a:t>
               </a:r>
-              <a:endParaRPr lang="zh-CN" altLang="en-US" sz="900" b="1" dirty="0"/>
+              <a:endParaRPr lang="zh-CN" altLang="en-US" sz="900" b="1" dirty="0">
+                <a:latin typeface="Calibri" panose="020F0502020204030204" pitchFamily="34" charset="0"/>
+                <a:cs typeface="Calibri" panose="020F0502020204030204" pitchFamily="34" charset="0"/>
+              </a:endParaRPr>
             </a:p>
           </p:txBody>
         </p:sp>
@@ -16038,10 +16325,16 @@
             <a:p>
               <a:pPr algn="ctr"/>
               <a:r>
-                <a:rPr lang="en-US" altLang="zh-CN" sz="900" b="1" dirty="0"/>
+                <a:rPr lang="en-US" altLang="zh-CN" sz="900" b="1" dirty="0">
+                  <a:latin typeface="Calibri" panose="020F0502020204030204" pitchFamily="34" charset="0"/>
+                  <a:cs typeface="Calibri" panose="020F0502020204030204" pitchFamily="34" charset="0"/>
+                </a:rPr>
                 <a:t>+…+</a:t>
               </a:r>
-              <a:endParaRPr lang="zh-CN" altLang="en-US" sz="900" b="1" dirty="0"/>
+              <a:endParaRPr lang="zh-CN" altLang="en-US" sz="900" b="1" dirty="0">
+                <a:latin typeface="Calibri" panose="020F0502020204030204" pitchFamily="34" charset="0"/>
+                <a:cs typeface="Calibri" panose="020F0502020204030204" pitchFamily="34" charset="0"/>
+              </a:endParaRPr>
             </a:p>
           </p:txBody>
         </p:sp>
@@ -16169,6 +16462,8 @@
                   <a:solidFill>
                     <a:schemeClr val="accent5"/>
                   </a:solidFill>
+                  <a:latin typeface="Calibri" panose="020F0502020204030204" pitchFamily="34" charset="0"/>
+                  <a:cs typeface="Calibri" panose="020F0502020204030204" pitchFamily="34" charset="0"/>
                 </a:rPr>
                 <a:t>Central Server</a:t>
               </a:r>
@@ -16220,7 +16515,10 @@
           <a:lstStyle/>
           <a:p>
             <a:pPr algn="ctr"/>
-            <a:endParaRPr lang="en-US" sz="900"/>
+            <a:endParaRPr lang="en-US" sz="900">
+              <a:latin typeface="Calibri" panose="020F0502020204030204" pitchFamily="34" charset="0"/>
+              <a:cs typeface="Calibri" panose="020F0502020204030204" pitchFamily="34" charset="0"/>
+            </a:endParaRPr>
           </a:p>
         </p:txBody>
       </p:sp>
@@ -16340,7 +16638,10 @@
           <a:p>
             <a:pPr algn="ctr"/>
             <a:r>
-              <a:rPr lang="en-US" altLang="zh-CN" sz="800" b="1" dirty="0"/>
+              <a:rPr lang="en-US" altLang="zh-CN" sz="800" b="1" dirty="0">
+                <a:latin typeface="Calibri" panose="020F0502020204030204" pitchFamily="34" charset="0"/>
+                <a:cs typeface="Calibri" panose="020F0502020204030204" pitchFamily="34" charset="0"/>
+              </a:rPr>
               <a:t>Aggregation Process</a:t>
             </a:r>
           </a:p>
@@ -16376,7 +16677,10 @@
           <a:p>
             <a:pPr algn="ctr"/>
             <a:r>
-              <a:rPr lang="en-US" altLang="zh-CN" sz="800" b="1" i="1" dirty="0"/>
+              <a:rPr lang="en-US" altLang="zh-CN" sz="800" b="1" i="1" dirty="0">
+                <a:latin typeface="Calibri" panose="020F0502020204030204" pitchFamily="34" charset="0"/>
+                <a:cs typeface="Calibri" panose="020F0502020204030204" pitchFamily="34" charset="0"/>
+              </a:rPr>
               <a:t>Global Model</a:t>
             </a:r>
           </a:p>
@@ -16485,7 +16789,10 @@
                 <a:lstStyle/>
                 <a:p>
                   <a:pPr algn="ctr"/>
-                  <a:endParaRPr lang="zh-CN" altLang="en-US" dirty="0"/>
+                  <a:endParaRPr lang="zh-CN" altLang="en-US" dirty="0">
+                    <a:latin typeface="Calibri" panose="020F0502020204030204" pitchFamily="34" charset="0"/>
+                    <a:cs typeface="Calibri" panose="020F0502020204030204" pitchFamily="34" charset="0"/>
+                  </a:endParaRPr>
                 </a:p>
               </p:txBody>
             </p:sp>
@@ -16532,7 +16839,10 @@
                 <a:lstStyle/>
                 <a:p>
                   <a:pPr algn="ctr"/>
-                  <a:endParaRPr lang="zh-CN" altLang="en-US"/>
+                  <a:endParaRPr lang="zh-CN" altLang="en-US">
+                    <a:latin typeface="Calibri" panose="020F0502020204030204" pitchFamily="34" charset="0"/>
+                    <a:cs typeface="Calibri" panose="020F0502020204030204" pitchFamily="34" charset="0"/>
+                  </a:endParaRPr>
                 </a:p>
               </p:txBody>
             </p:sp>
@@ -16579,7 +16889,10 @@
                 <a:lstStyle/>
                 <a:p>
                   <a:pPr algn="ctr"/>
-                  <a:endParaRPr lang="zh-CN" altLang="en-US"/>
+                  <a:endParaRPr lang="zh-CN" altLang="en-US">
+                    <a:latin typeface="Calibri" panose="020F0502020204030204" pitchFamily="34" charset="0"/>
+                    <a:cs typeface="Calibri" panose="020F0502020204030204" pitchFamily="34" charset="0"/>
+                  </a:endParaRPr>
                 </a:p>
               </p:txBody>
             </p:sp>
@@ -16626,7 +16939,10 @@
                 <a:lstStyle/>
                 <a:p>
                   <a:pPr algn="ctr"/>
-                  <a:endParaRPr lang="zh-CN" altLang="en-US"/>
+                  <a:endParaRPr lang="zh-CN" altLang="en-US">
+                    <a:latin typeface="Calibri" panose="020F0502020204030204" pitchFamily="34" charset="0"/>
+                    <a:cs typeface="Calibri" panose="020F0502020204030204" pitchFamily="34" charset="0"/>
+                  </a:endParaRPr>
                 </a:p>
               </p:txBody>
             </p:sp>
@@ -16673,7 +16989,10 @@
                 <a:lstStyle/>
                 <a:p>
                   <a:pPr algn="ctr"/>
-                  <a:endParaRPr lang="zh-CN" altLang="en-US"/>
+                  <a:endParaRPr lang="zh-CN" altLang="en-US">
+                    <a:latin typeface="Calibri" panose="020F0502020204030204" pitchFamily="34" charset="0"/>
+                    <a:cs typeface="Calibri" panose="020F0502020204030204" pitchFamily="34" charset="0"/>
+                  </a:endParaRPr>
                 </a:p>
               </p:txBody>
             </p:sp>
@@ -16720,7 +17039,10 @@
                 <a:lstStyle/>
                 <a:p>
                   <a:pPr algn="ctr"/>
-                  <a:endParaRPr lang="zh-CN" altLang="en-US"/>
+                  <a:endParaRPr lang="zh-CN" altLang="en-US">
+                    <a:latin typeface="Calibri" panose="020F0502020204030204" pitchFamily="34" charset="0"/>
+                    <a:cs typeface="Calibri" panose="020F0502020204030204" pitchFamily="34" charset="0"/>
+                  </a:endParaRPr>
                 </a:p>
               </p:txBody>
             </p:sp>
@@ -16767,7 +17089,10 @@
                 <a:lstStyle/>
                 <a:p>
                   <a:pPr algn="ctr"/>
-                  <a:endParaRPr lang="zh-CN" altLang="en-US"/>
+                  <a:endParaRPr lang="zh-CN" altLang="en-US">
+                    <a:latin typeface="Calibri" panose="020F0502020204030204" pitchFamily="34" charset="0"/>
+                    <a:cs typeface="Calibri" panose="020F0502020204030204" pitchFamily="34" charset="0"/>
+                  </a:endParaRPr>
                 </a:p>
               </p:txBody>
             </p:sp>
@@ -16814,7 +17139,10 @@
                 <a:lstStyle/>
                 <a:p>
                   <a:pPr algn="ctr"/>
-                  <a:endParaRPr lang="zh-CN" altLang="en-US"/>
+                  <a:endParaRPr lang="zh-CN" altLang="en-US">
+                    <a:latin typeface="Calibri" panose="020F0502020204030204" pitchFamily="34" charset="0"/>
+                    <a:cs typeface="Calibri" panose="020F0502020204030204" pitchFamily="34" charset="0"/>
+                  </a:endParaRPr>
                 </a:p>
               </p:txBody>
             </p:sp>
@@ -16861,7 +17189,10 @@
                 <a:lstStyle/>
                 <a:p>
                   <a:pPr algn="ctr"/>
-                  <a:endParaRPr lang="zh-CN" altLang="en-US"/>
+                  <a:endParaRPr lang="zh-CN" altLang="en-US">
+                    <a:latin typeface="Calibri" panose="020F0502020204030204" pitchFamily="34" charset="0"/>
+                    <a:cs typeface="Calibri" panose="020F0502020204030204" pitchFamily="34" charset="0"/>
+                  </a:endParaRPr>
                 </a:p>
               </p:txBody>
             </p:sp>
@@ -17708,7 +18039,10 @@
                 <a:lstStyle/>
                 <a:p>
                   <a:pPr algn="ctr"/>
-                  <a:endParaRPr lang="zh-CN" altLang="en-US"/>
+                  <a:endParaRPr lang="zh-CN" altLang="en-US">
+                    <a:latin typeface="Calibri" panose="020F0502020204030204" pitchFamily="34" charset="0"/>
+                    <a:cs typeface="Calibri" panose="020F0502020204030204" pitchFamily="34" charset="0"/>
+                  </a:endParaRPr>
                 </a:p>
               </p:txBody>
             </p:sp>
@@ -17913,7 +18247,10 @@
               <a:lstStyle/>
               <a:p>
                 <a:pPr algn="ctr"/>
-                <a:endParaRPr lang="zh-CN" altLang="en-US"/>
+                <a:endParaRPr lang="zh-CN" altLang="en-US">
+                  <a:latin typeface="Calibri" panose="020F0502020204030204" pitchFamily="34" charset="0"/>
+                  <a:cs typeface="Calibri" panose="020F0502020204030204" pitchFamily="34" charset="0"/>
+                </a:endParaRPr>
               </a:p>
             </p:txBody>
           </p:sp>
@@ -17978,7 +18315,10 @@
             <a:p>
               <a:pPr algn="ctr"/>
               <a:r>
-                <a:rPr lang="en-US" altLang="zh-CN" sz="800" b="1" i="1" dirty="0"/>
+                <a:rPr lang="en-US" altLang="zh-CN" sz="800" b="1" i="1" dirty="0">
+                  <a:latin typeface="Calibri" panose="020F0502020204030204" pitchFamily="34" charset="0"/>
+                  <a:cs typeface="Calibri" panose="020F0502020204030204" pitchFamily="34" charset="0"/>
+                </a:rPr>
                 <a:t>Gradient Update</a:t>
               </a:r>
             </a:p>
@@ -18122,7 +18462,10 @@
               <a:lstStyle/>
               <a:p>
                 <a:pPr algn="ctr"/>
-                <a:endParaRPr lang="zh-CN" altLang="en-US"/>
+                <a:endParaRPr lang="zh-CN" altLang="en-US">
+                  <a:latin typeface="Calibri" panose="020F0502020204030204" pitchFamily="34" charset="0"/>
+                  <a:cs typeface="Calibri" panose="020F0502020204030204" pitchFamily="34" charset="0"/>
+                </a:endParaRPr>
               </a:p>
             </p:txBody>
           </p:sp>
@@ -18171,7 +18514,10 @@
               <a:lstStyle/>
               <a:p>
                 <a:pPr algn="ctr"/>
-                <a:endParaRPr lang="zh-CN" altLang="en-US"/>
+                <a:endParaRPr lang="zh-CN" altLang="en-US">
+                  <a:latin typeface="Calibri" panose="020F0502020204030204" pitchFamily="34" charset="0"/>
+                  <a:cs typeface="Calibri" panose="020F0502020204030204" pitchFamily="34" charset="0"/>
+                </a:endParaRPr>
               </a:p>
             </p:txBody>
           </p:sp>
@@ -18220,7 +18566,10 @@
               <a:lstStyle/>
               <a:p>
                 <a:pPr algn="ctr"/>
-                <a:endParaRPr lang="zh-CN" altLang="en-US" dirty="0"/>
+                <a:endParaRPr lang="zh-CN" altLang="en-US" dirty="0">
+                  <a:latin typeface="Calibri" panose="020F0502020204030204" pitchFamily="34" charset="0"/>
+                  <a:cs typeface="Calibri" panose="020F0502020204030204" pitchFamily="34" charset="0"/>
+                </a:endParaRPr>
               </a:p>
             </p:txBody>
           </p:sp>
@@ -18269,7 +18618,10 @@
               <a:lstStyle/>
               <a:p>
                 <a:pPr algn="ctr"/>
-                <a:endParaRPr lang="zh-CN" altLang="en-US"/>
+                <a:endParaRPr lang="zh-CN" altLang="en-US">
+                  <a:latin typeface="Calibri" panose="020F0502020204030204" pitchFamily="34" charset="0"/>
+                  <a:cs typeface="Calibri" panose="020F0502020204030204" pitchFamily="34" charset="0"/>
+                </a:endParaRPr>
               </a:p>
             </p:txBody>
           </p:sp>
@@ -18318,7 +18670,10 @@
               <a:lstStyle/>
               <a:p>
                 <a:pPr algn="ctr"/>
-                <a:endParaRPr lang="zh-CN" altLang="en-US"/>
+                <a:endParaRPr lang="zh-CN" altLang="en-US">
+                  <a:latin typeface="Calibri" panose="020F0502020204030204" pitchFamily="34" charset="0"/>
+                  <a:cs typeface="Calibri" panose="020F0502020204030204" pitchFamily="34" charset="0"/>
+                </a:endParaRPr>
               </a:p>
             </p:txBody>
           </p:sp>
@@ -18367,7 +18722,10 @@
               <a:lstStyle/>
               <a:p>
                 <a:pPr algn="ctr"/>
-                <a:endParaRPr lang="zh-CN" altLang="en-US" dirty="0"/>
+                <a:endParaRPr lang="zh-CN" altLang="en-US" dirty="0">
+                  <a:latin typeface="Calibri" panose="020F0502020204030204" pitchFamily="34" charset="0"/>
+                  <a:cs typeface="Calibri" panose="020F0502020204030204" pitchFamily="34" charset="0"/>
+                </a:endParaRPr>
               </a:p>
             </p:txBody>
           </p:sp>
@@ -18416,7 +18774,10 @@
               <a:lstStyle/>
               <a:p>
                 <a:pPr algn="ctr"/>
-                <a:endParaRPr lang="zh-CN" altLang="en-US"/>
+                <a:endParaRPr lang="zh-CN" altLang="en-US">
+                  <a:latin typeface="Calibri" panose="020F0502020204030204" pitchFamily="34" charset="0"/>
+                  <a:cs typeface="Calibri" panose="020F0502020204030204" pitchFamily="34" charset="0"/>
+                </a:endParaRPr>
               </a:p>
             </p:txBody>
           </p:sp>
@@ -18465,7 +18826,10 @@
               <a:lstStyle/>
               <a:p>
                 <a:pPr algn="ctr"/>
-                <a:endParaRPr lang="zh-CN" altLang="en-US"/>
+                <a:endParaRPr lang="zh-CN" altLang="en-US">
+                  <a:latin typeface="Calibri" panose="020F0502020204030204" pitchFamily="34" charset="0"/>
+                  <a:cs typeface="Calibri" panose="020F0502020204030204" pitchFamily="34" charset="0"/>
+                </a:endParaRPr>
               </a:p>
             </p:txBody>
           </p:sp>
@@ -18514,7 +18878,10 @@
               <a:lstStyle/>
               <a:p>
                 <a:pPr algn="ctr"/>
-                <a:endParaRPr lang="zh-CN" altLang="en-US"/>
+                <a:endParaRPr lang="zh-CN" altLang="en-US">
+                  <a:latin typeface="Calibri" panose="020F0502020204030204" pitchFamily="34" charset="0"/>
+                  <a:cs typeface="Calibri" panose="020F0502020204030204" pitchFamily="34" charset="0"/>
+                </a:endParaRPr>
               </a:p>
             </p:txBody>
           </p:sp>
@@ -18563,7 +18930,10 @@
               <a:lstStyle/>
               <a:p>
                 <a:pPr algn="ctr"/>
-                <a:endParaRPr lang="zh-CN" altLang="en-US"/>
+                <a:endParaRPr lang="zh-CN" altLang="en-US">
+                  <a:latin typeface="Calibri" panose="020F0502020204030204" pitchFamily="34" charset="0"/>
+                  <a:cs typeface="Calibri" panose="020F0502020204030204" pitchFamily="34" charset="0"/>
+                </a:endParaRPr>
               </a:p>
             </p:txBody>
           </p:sp>
@@ -18618,10 +18988,16 @@
               <a:p>
                 <a:pPr algn="ctr"/>
                 <a:r>
-                  <a:rPr lang="en-US" altLang="zh-CN" sz="800" b="1" dirty="0"/>
+                  <a:rPr lang="en-US" altLang="zh-CN" sz="800" b="1" dirty="0">
+                    <a:latin typeface="Calibri" panose="020F0502020204030204" pitchFamily="34" charset="0"/>
+                    <a:cs typeface="Calibri" panose="020F0502020204030204" pitchFamily="34" charset="0"/>
+                  </a:rPr>
                   <a:t>Backdoor trigger:         label: cat</a:t>
                 </a:r>
-                <a:endParaRPr lang="zh-CN" altLang="en-US" sz="800" b="1" dirty="0"/>
+                <a:endParaRPr lang="zh-CN" altLang="en-US" sz="800" b="1" dirty="0">
+                  <a:latin typeface="Calibri" panose="020F0502020204030204" pitchFamily="34" charset="0"/>
+                  <a:cs typeface="Calibri" panose="020F0502020204030204" pitchFamily="34" charset="0"/>
+                </a:endParaRPr>
               </a:p>
             </p:txBody>
           </p:sp>
@@ -18670,7 +19046,10 @@
               <a:lstStyle/>
               <a:p>
                 <a:pPr algn="ctr"/>
-                <a:endParaRPr lang="zh-CN" altLang="en-US" dirty="0"/>
+                <a:endParaRPr lang="zh-CN" altLang="en-US" dirty="0">
+                  <a:latin typeface="Calibri" panose="020F0502020204030204" pitchFamily="34" charset="0"/>
+                  <a:cs typeface="Calibri" panose="020F0502020204030204" pitchFamily="34" charset="0"/>
+                </a:endParaRPr>
               </a:p>
             </p:txBody>
           </p:sp>
@@ -18719,7 +19098,10 @@
             <a:lstStyle/>
             <a:p>
               <a:pPr algn="ctr"/>
-              <a:endParaRPr lang="zh-CN" altLang="en-US" dirty="0"/>
+              <a:endParaRPr lang="zh-CN" altLang="en-US" dirty="0">
+                <a:latin typeface="Calibri" panose="020F0502020204030204" pitchFamily="34" charset="0"/>
+                <a:cs typeface="Calibri" panose="020F0502020204030204" pitchFamily="34" charset="0"/>
+              </a:endParaRPr>
             </a:p>
           </p:txBody>
         </p:sp>
@@ -18844,7 +19226,10 @@
               <a:lstStyle/>
               <a:p>
                 <a:pPr algn="ctr"/>
-                <a:endParaRPr lang="zh-CN" altLang="en-US"/>
+                <a:endParaRPr lang="zh-CN" altLang="en-US">
+                  <a:latin typeface="Calibri" panose="020F0502020204030204" pitchFamily="34" charset="0"/>
+                  <a:cs typeface="Calibri" panose="020F0502020204030204" pitchFamily="34" charset="0"/>
+                </a:endParaRPr>
               </a:p>
             </p:txBody>
           </p:sp>
@@ -18949,7 +19334,10 @@
               <a:lstStyle/>
               <a:p>
                 <a:pPr algn="ctr"/>
-                <a:endParaRPr lang="zh-CN" altLang="en-US" dirty="0"/>
+                <a:endParaRPr lang="zh-CN" altLang="en-US" dirty="0">
+                  <a:latin typeface="Calibri" panose="020F0502020204030204" pitchFamily="34" charset="0"/>
+                  <a:cs typeface="Calibri" panose="020F0502020204030204" pitchFamily="34" charset="0"/>
+                </a:endParaRPr>
               </a:p>
             </p:txBody>
           </p:sp>
@@ -19055,7 +19443,10 @@
               <a:lstStyle/>
               <a:p>
                 <a:pPr algn="ctr"/>
-                <a:endParaRPr lang="zh-CN" altLang="en-US"/>
+                <a:endParaRPr lang="zh-CN" altLang="en-US">
+                  <a:latin typeface="Calibri" panose="020F0502020204030204" pitchFamily="34" charset="0"/>
+                  <a:cs typeface="Calibri" panose="020F0502020204030204" pitchFamily="34" charset="0"/>
+                </a:endParaRPr>
               </a:p>
             </p:txBody>
           </p:sp>
@@ -19090,10 +19481,16 @@
             <a:p>
               <a:pPr algn="ctr"/>
               <a:r>
-                <a:rPr lang="en-US" altLang="zh-CN" sz="800" b="1" dirty="0"/>
+                <a:rPr lang="en-US" altLang="zh-CN" sz="800" b="1" dirty="0">
+                  <a:latin typeface="Calibri" panose="020F0502020204030204" pitchFamily="34" charset="0"/>
+                  <a:cs typeface="Calibri" panose="020F0502020204030204" pitchFamily="34" charset="0"/>
+                </a:rPr>
                 <a:t>cat</a:t>
               </a:r>
-              <a:endParaRPr lang="zh-CN" altLang="en-US" sz="800" b="1" dirty="0"/>
+              <a:endParaRPr lang="zh-CN" altLang="en-US" sz="800" b="1" dirty="0">
+                <a:latin typeface="Calibri" panose="020F0502020204030204" pitchFamily="34" charset="0"/>
+                <a:cs typeface="Calibri" panose="020F0502020204030204" pitchFamily="34" charset="0"/>
+              </a:endParaRPr>
             </a:p>
           </p:txBody>
         </p:sp>
@@ -19141,7 +19538,10 @@
             <a:lstStyle/>
             <a:p>
               <a:pPr algn="ctr"/>
-              <a:endParaRPr lang="zh-CN" altLang="en-US" dirty="0"/>
+              <a:endParaRPr lang="zh-CN" altLang="en-US" dirty="0">
+                <a:latin typeface="Calibri" panose="020F0502020204030204" pitchFamily="34" charset="0"/>
+                <a:cs typeface="Calibri" panose="020F0502020204030204" pitchFamily="34" charset="0"/>
+              </a:endParaRPr>
             </a:p>
           </p:txBody>
         </p:sp>
@@ -19175,10 +19575,16 @@
             <a:p>
               <a:pPr algn="ctr"/>
               <a:r>
-                <a:rPr lang="en-US" altLang="zh-CN" sz="800" b="1" dirty="0"/>
+                <a:rPr lang="en-US" altLang="zh-CN" sz="800" b="1" dirty="0">
+                  <a:latin typeface="Calibri" panose="020F0502020204030204" pitchFamily="34" charset="0"/>
+                  <a:cs typeface="Calibri" panose="020F0502020204030204" pitchFamily="34" charset="0"/>
+                </a:rPr>
                 <a:t>cat</a:t>
               </a:r>
-              <a:endParaRPr lang="zh-CN" altLang="en-US" sz="800" b="1" dirty="0"/>
+              <a:endParaRPr lang="zh-CN" altLang="en-US" sz="800" b="1" dirty="0">
+                <a:latin typeface="Calibri" panose="020F0502020204030204" pitchFamily="34" charset="0"/>
+                <a:cs typeface="Calibri" panose="020F0502020204030204" pitchFamily="34" charset="0"/>
+              </a:endParaRPr>
             </a:p>
           </p:txBody>
         </p:sp>
@@ -19212,10 +19618,16 @@
             <a:p>
               <a:pPr algn="ctr"/>
               <a:r>
-                <a:rPr lang="en-US" altLang="zh-CN" sz="800" b="1" dirty="0"/>
+                <a:rPr lang="en-US" altLang="zh-CN" sz="800" b="1" dirty="0">
+                  <a:latin typeface="Calibri" panose="020F0502020204030204" pitchFamily="34" charset="0"/>
+                  <a:cs typeface="Calibri" panose="020F0502020204030204" pitchFamily="34" charset="0"/>
+                </a:rPr>
                 <a:t>cat</a:t>
               </a:r>
-              <a:endParaRPr lang="zh-CN" altLang="en-US" sz="800" b="1" dirty="0"/>
+              <a:endParaRPr lang="zh-CN" altLang="en-US" sz="800" b="1" dirty="0">
+                <a:latin typeface="Calibri" panose="020F0502020204030204" pitchFamily="34" charset="0"/>
+                <a:cs typeface="Calibri" panose="020F0502020204030204" pitchFamily="34" charset="0"/>
+              </a:endParaRPr>
             </a:p>
           </p:txBody>
         </p:sp>

--- a/Manuscript_TIFS/figures/Figure_backdoor.pptx
+++ b/Manuscript_TIFS/figures/Figure_backdoor.pptx
@@ -259,7 +259,7 @@
           <a:p>
             <a:fld id="{B6BE89FA-A3DD-450C-8B51-349954979103}" type="datetimeFigureOut">
               <a:rPr lang="zh-CN" altLang="en-US" smtClean="0"/>
-              <a:t>2022-02-24</a:t>
+              <a:t>2022-02-25</a:t>
             </a:fld>
             <a:endParaRPr lang="zh-CN" altLang="en-US"/>
           </a:p>
@@ -457,7 +457,7 @@
           <a:p>
             <a:fld id="{B6BE89FA-A3DD-450C-8B51-349954979103}" type="datetimeFigureOut">
               <a:rPr lang="zh-CN" altLang="en-US" smtClean="0"/>
-              <a:t>2022-02-24</a:t>
+              <a:t>2022-02-25</a:t>
             </a:fld>
             <a:endParaRPr lang="zh-CN" altLang="en-US"/>
           </a:p>
@@ -665,7 +665,7 @@
           <a:p>
             <a:fld id="{B6BE89FA-A3DD-450C-8B51-349954979103}" type="datetimeFigureOut">
               <a:rPr lang="zh-CN" altLang="en-US" smtClean="0"/>
-              <a:t>2022-02-24</a:t>
+              <a:t>2022-02-25</a:t>
             </a:fld>
             <a:endParaRPr lang="zh-CN" altLang="en-US"/>
           </a:p>
@@ -863,7 +863,7 @@
           <a:p>
             <a:fld id="{B6BE89FA-A3DD-450C-8B51-349954979103}" type="datetimeFigureOut">
               <a:rPr lang="zh-CN" altLang="en-US" smtClean="0"/>
-              <a:t>2022-02-24</a:t>
+              <a:t>2022-02-25</a:t>
             </a:fld>
             <a:endParaRPr lang="zh-CN" altLang="en-US"/>
           </a:p>
@@ -1138,7 +1138,7 @@
           <a:p>
             <a:fld id="{B6BE89FA-A3DD-450C-8B51-349954979103}" type="datetimeFigureOut">
               <a:rPr lang="zh-CN" altLang="en-US" smtClean="0"/>
-              <a:t>2022-02-24</a:t>
+              <a:t>2022-02-25</a:t>
             </a:fld>
             <a:endParaRPr lang="zh-CN" altLang="en-US"/>
           </a:p>
@@ -1403,7 +1403,7 @@
           <a:p>
             <a:fld id="{B6BE89FA-A3DD-450C-8B51-349954979103}" type="datetimeFigureOut">
               <a:rPr lang="zh-CN" altLang="en-US" smtClean="0"/>
-              <a:t>2022-02-24</a:t>
+              <a:t>2022-02-25</a:t>
             </a:fld>
             <a:endParaRPr lang="zh-CN" altLang="en-US"/>
           </a:p>
@@ -1815,7 +1815,7 @@
           <a:p>
             <a:fld id="{B6BE89FA-A3DD-450C-8B51-349954979103}" type="datetimeFigureOut">
               <a:rPr lang="zh-CN" altLang="en-US" smtClean="0"/>
-              <a:t>2022-02-24</a:t>
+              <a:t>2022-02-25</a:t>
             </a:fld>
             <a:endParaRPr lang="zh-CN" altLang="en-US"/>
           </a:p>
@@ -1956,7 +1956,7 @@
           <a:p>
             <a:fld id="{B6BE89FA-A3DD-450C-8B51-349954979103}" type="datetimeFigureOut">
               <a:rPr lang="zh-CN" altLang="en-US" smtClean="0"/>
-              <a:t>2022-02-24</a:t>
+              <a:t>2022-02-25</a:t>
             </a:fld>
             <a:endParaRPr lang="zh-CN" altLang="en-US"/>
           </a:p>
@@ -2069,7 +2069,7 @@
           <a:p>
             <a:fld id="{B6BE89FA-A3DD-450C-8B51-349954979103}" type="datetimeFigureOut">
               <a:rPr lang="zh-CN" altLang="en-US" smtClean="0"/>
-              <a:t>2022-02-24</a:t>
+              <a:t>2022-02-25</a:t>
             </a:fld>
             <a:endParaRPr lang="zh-CN" altLang="en-US"/>
           </a:p>
@@ -2380,7 +2380,7 @@
           <a:p>
             <a:fld id="{B6BE89FA-A3DD-450C-8B51-349954979103}" type="datetimeFigureOut">
               <a:rPr lang="zh-CN" altLang="en-US" smtClean="0"/>
-              <a:t>2022-02-24</a:t>
+              <a:t>2022-02-25</a:t>
             </a:fld>
             <a:endParaRPr lang="zh-CN" altLang="en-US"/>
           </a:p>
@@ -2668,7 +2668,7 @@
           <a:p>
             <a:fld id="{B6BE89FA-A3DD-450C-8B51-349954979103}" type="datetimeFigureOut">
               <a:rPr lang="zh-CN" altLang="en-US" smtClean="0"/>
-              <a:t>2022-02-24</a:t>
+              <a:t>2022-02-25</a:t>
             </a:fld>
             <a:endParaRPr lang="zh-CN" altLang="en-US"/>
           </a:p>
@@ -2909,7 +2909,7 @@
           <a:p>
             <a:fld id="{B6BE89FA-A3DD-450C-8B51-349954979103}" type="datetimeFigureOut">
               <a:rPr lang="zh-CN" altLang="en-US" smtClean="0"/>
-              <a:t>2022-02-24</a:t>
+              <a:t>2022-02-25</a:t>
             </a:fld>
             <a:endParaRPr lang="zh-CN" altLang="en-US"/>
           </a:p>
@@ -3422,7 +3422,7 @@
                   <a:latin typeface="Calibri" panose="020F0502020204030204" pitchFamily="34" charset="0"/>
                   <a:cs typeface="Calibri" panose="020F0502020204030204" pitchFamily="34" charset="0"/>
                 </a:rPr>
-                <a:t>Byzantine Client</a:t>
+                <a:t>Byzantine Attacker</a:t>
               </a:r>
             </a:p>
           </p:txBody>

--- a/Manuscript_TIFS/figures/Figure_backdoor.pptx
+++ b/Manuscript_TIFS/figures/Figure_backdoor.pptx
@@ -16384,9 +16384,9 @@
         <p:grpSpPr>
           <a:xfrm>
             <a:off x="5907543" y="2437102"/>
-            <a:ext cx="638600" cy="640966"/>
+            <a:ext cx="638600" cy="517856"/>
             <a:chOff x="5957582" y="2483877"/>
-            <a:chExt cx="638600" cy="640966"/>
+            <a:chExt cx="638600" cy="517856"/>
           </a:xfrm>
         </p:grpSpPr>
         <p:pic>
@@ -16443,7 +16443,7 @@
           <p:spPr>
             <a:xfrm>
               <a:off x="5957582" y="2786289"/>
-              <a:ext cx="638600" cy="338554"/>
+              <a:ext cx="638600" cy="215444"/>
             </a:xfrm>
             <a:prstGeom prst="rect">
               <a:avLst/>
@@ -16465,7 +16465,7 @@
                   <a:latin typeface="Calibri" panose="020F0502020204030204" pitchFamily="34" charset="0"/>
                   <a:cs typeface="Calibri" panose="020F0502020204030204" pitchFamily="34" charset="0"/>
                 </a:rPr>
-                <a:t>Central Server</a:t>
+                <a:t>FL Server</a:t>
               </a:r>
             </a:p>
           </p:txBody>
